--- a/public/assets/logo/logo.pptx
+++ b/public/assets/logo/logo.pptx
@@ -259,7 +259,7 @@
           <a:p>
             <a:fld id="{8DC482A3-4A29-42BB-86E8-757E04EC2D34}" type="datetimeFigureOut">
               <a:rPr lang="en-US" smtClean="0"/>
-              <a:t>7/7/2023</a:t>
+              <a:t>7/29/2023</a:t>
             </a:fld>
             <a:endParaRPr lang="en-US"/>
           </a:p>
@@ -457,7 +457,7 @@
           <a:p>
             <a:fld id="{8DC482A3-4A29-42BB-86E8-757E04EC2D34}" type="datetimeFigureOut">
               <a:rPr lang="en-US" smtClean="0"/>
-              <a:t>7/7/2023</a:t>
+              <a:t>7/29/2023</a:t>
             </a:fld>
             <a:endParaRPr lang="en-US"/>
           </a:p>
@@ -665,7 +665,7 @@
           <a:p>
             <a:fld id="{8DC482A3-4A29-42BB-86E8-757E04EC2D34}" type="datetimeFigureOut">
               <a:rPr lang="en-US" smtClean="0"/>
-              <a:t>7/7/2023</a:t>
+              <a:t>7/29/2023</a:t>
             </a:fld>
             <a:endParaRPr lang="en-US"/>
           </a:p>
@@ -863,7 +863,7 @@
           <a:p>
             <a:fld id="{8DC482A3-4A29-42BB-86E8-757E04EC2D34}" type="datetimeFigureOut">
               <a:rPr lang="en-US" smtClean="0"/>
-              <a:t>7/7/2023</a:t>
+              <a:t>7/29/2023</a:t>
             </a:fld>
             <a:endParaRPr lang="en-US"/>
           </a:p>
@@ -1138,7 +1138,7 @@
           <a:p>
             <a:fld id="{8DC482A3-4A29-42BB-86E8-757E04EC2D34}" type="datetimeFigureOut">
               <a:rPr lang="en-US" smtClean="0"/>
-              <a:t>7/7/2023</a:t>
+              <a:t>7/29/2023</a:t>
             </a:fld>
             <a:endParaRPr lang="en-US"/>
           </a:p>
@@ -1403,7 +1403,7 @@
           <a:p>
             <a:fld id="{8DC482A3-4A29-42BB-86E8-757E04EC2D34}" type="datetimeFigureOut">
               <a:rPr lang="en-US" smtClean="0"/>
-              <a:t>7/7/2023</a:t>
+              <a:t>7/29/2023</a:t>
             </a:fld>
             <a:endParaRPr lang="en-US"/>
           </a:p>
@@ -1815,7 +1815,7 @@
           <a:p>
             <a:fld id="{8DC482A3-4A29-42BB-86E8-757E04EC2D34}" type="datetimeFigureOut">
               <a:rPr lang="en-US" smtClean="0"/>
-              <a:t>7/7/2023</a:t>
+              <a:t>7/29/2023</a:t>
             </a:fld>
             <a:endParaRPr lang="en-US"/>
           </a:p>
@@ -1956,7 +1956,7 @@
           <a:p>
             <a:fld id="{8DC482A3-4A29-42BB-86E8-757E04EC2D34}" type="datetimeFigureOut">
               <a:rPr lang="en-US" smtClean="0"/>
-              <a:t>7/7/2023</a:t>
+              <a:t>7/29/2023</a:t>
             </a:fld>
             <a:endParaRPr lang="en-US"/>
           </a:p>
@@ -2069,7 +2069,7 @@
           <a:p>
             <a:fld id="{8DC482A3-4A29-42BB-86E8-757E04EC2D34}" type="datetimeFigureOut">
               <a:rPr lang="en-US" smtClean="0"/>
-              <a:t>7/7/2023</a:t>
+              <a:t>7/29/2023</a:t>
             </a:fld>
             <a:endParaRPr lang="en-US"/>
           </a:p>
@@ -2380,7 +2380,7 @@
           <a:p>
             <a:fld id="{8DC482A3-4A29-42BB-86E8-757E04EC2D34}" type="datetimeFigureOut">
               <a:rPr lang="en-US" smtClean="0"/>
-              <a:t>7/7/2023</a:t>
+              <a:t>7/29/2023</a:t>
             </a:fld>
             <a:endParaRPr lang="en-US"/>
           </a:p>
@@ -2668,7 +2668,7 @@
           <a:p>
             <a:fld id="{8DC482A3-4A29-42BB-86E8-757E04EC2D34}" type="datetimeFigureOut">
               <a:rPr lang="en-US" smtClean="0"/>
-              <a:t>7/7/2023</a:t>
+              <a:t>7/29/2023</a:t>
             </a:fld>
             <a:endParaRPr lang="en-US"/>
           </a:p>
@@ -2909,7 +2909,7 @@
           <a:p>
             <a:fld id="{8DC482A3-4A29-42BB-86E8-757E04EC2D34}" type="datetimeFigureOut">
               <a:rPr lang="en-US" smtClean="0"/>
-              <a:t>7/7/2023</a:t>
+              <a:t>7/29/2023</a:t>
             </a:fld>
             <a:endParaRPr lang="en-US"/>
           </a:p>
@@ -3328,10 +3328,10 @@
       </p:grpSpPr>
       <p:sp>
         <p:nvSpPr>
-          <p:cNvPr id="6" name="Rectangle: Rounded Corners 5">
-            <a:extLst>
-              <a:ext uri="{FF2B5EF4-FFF2-40B4-BE49-F238E27FC236}">
-                <a16:creationId xmlns:a16="http://schemas.microsoft.com/office/drawing/2014/main" id="{2ABF572B-0064-283E-744C-6F5C4C7FB4A3}"/>
+          <p:cNvPr id="30" name="Oval 29">
+            <a:extLst>
+              <a:ext uri="{FF2B5EF4-FFF2-40B4-BE49-F238E27FC236}">
+                <a16:creationId xmlns:a16="http://schemas.microsoft.com/office/drawing/2014/main" id="{15D39308-5417-3EBE-42CF-B03EB048D194}"/>
               </a:ext>
             </a:extLst>
           </p:cNvPr>
@@ -3340,25 +3340,25 @@
         </p:nvSpPr>
         <p:spPr>
           <a:xfrm>
-            <a:off x="2521706" y="3991155"/>
-            <a:ext cx="2993449" cy="954656"/>
+            <a:off x="2832295" y="4001577"/>
+            <a:ext cx="1511417" cy="1529495"/>
           </a:xfrm>
-          <a:prstGeom prst="roundRect">
-            <a:avLst>
-              <a:gd name="adj" fmla="val 50000"/>
-            </a:avLst>
+          <a:prstGeom prst="ellipse">
+            <a:avLst/>
           </a:prstGeom>
           <a:solidFill>
-            <a:srgbClr val="FF0000"/>
+            <a:schemeClr val="bg1"/>
           </a:solidFill>
           <a:ln>
-            <a:noFill/>
+            <a:solidFill>
+              <a:schemeClr val="tx1"/>
+            </a:solidFill>
           </a:ln>
         </p:spPr>
         <p:style>
           <a:lnRef idx="2">
             <a:schemeClr val="accent1">
-              <a:shade val="50000"/>
+              <a:shade val="15000"/>
             </a:schemeClr>
           </a:lnRef>
           <a:fillRef idx="1">
@@ -3380,124 +3380,12 @@
           </a:p>
         </p:txBody>
       </p:sp>
-      <p:pic>
-        <p:nvPicPr>
-          <p:cNvPr id="24" name="Picture 2" descr="Tune Protect">
-            <a:extLst>
-              <a:ext uri="{FF2B5EF4-FFF2-40B4-BE49-F238E27FC236}">
-                <a16:creationId xmlns:a16="http://schemas.microsoft.com/office/drawing/2014/main" id="{ACA9BF09-F8B5-0479-3EF1-3A4BF5660C15}"/>
-              </a:ext>
-            </a:extLst>
-          </p:cNvPr>
-          <p:cNvPicPr>
-            <a:picLocks noChangeAspect="1" noChangeArrowheads="1"/>
-          </p:cNvPicPr>
-          <p:nvPr/>
-        </p:nvPicPr>
-        <p:blipFill rotWithShape="1">
-          <a:blip r:embed="rId2">
-            <a:extLst>
-              <a:ext uri="{28A0092B-C50C-407E-A947-70E740481C1C}">
-                <a14:useLocalDpi xmlns:a14="http://schemas.microsoft.com/office/drawing/2010/main" val="0"/>
-              </a:ext>
-            </a:extLst>
-          </a:blip>
-          <a:srcRect t="19149" b="38551"/>
-          <a:stretch/>
-        </p:blipFill>
-        <p:spPr bwMode="auto">
-          <a:xfrm>
-            <a:off x="2592398" y="4084536"/>
-            <a:ext cx="1600200" cy="672861"/>
-          </a:xfrm>
-          <a:prstGeom prst="rect">
-            <a:avLst/>
-          </a:prstGeom>
-          <a:noFill/>
-          <a:extLst>
-            <a:ext uri="{909E8E84-426E-40DD-AFC4-6F175D3DCCD1}">
-              <a14:hiddenFill xmlns:a14="http://schemas.microsoft.com/office/drawing/2010/main">
-                <a:solidFill>
-                  <a:srgbClr val="FFFFFF"/>
-                </a:solidFill>
-              </a14:hiddenFill>
-            </a:ext>
-          </a:extLst>
-        </p:spPr>
-      </p:pic>
-      <p:pic>
-        <p:nvPicPr>
-          <p:cNvPr id="1028" name="Picture 4" descr="Number 4 png images | PNGWing">
-            <a:extLst>
-              <a:ext uri="{FF2B5EF4-FFF2-40B4-BE49-F238E27FC236}">
-                <a16:creationId xmlns:a16="http://schemas.microsoft.com/office/drawing/2014/main" id="{45BAB107-0102-8B43-3303-C8A1C965DDD3}"/>
-              </a:ext>
-            </a:extLst>
-          </p:cNvPr>
-          <p:cNvPicPr>
-            <a:picLocks noChangeAspect="1" noChangeArrowheads="1"/>
-          </p:cNvPicPr>
-          <p:nvPr/>
-        </p:nvPicPr>
-        <p:blipFill>
-          <a:blip r:embed="rId3">
-            <a:extLst>
-              <a:ext uri="{BEBA8EAE-BF5A-486C-A8C5-ECC9F3942E4B}">
-                <a14:imgProps xmlns:a14="http://schemas.microsoft.com/office/drawing/2010/main">
-                  <a14:imgLayer r:embed="rId4">
-                    <a14:imgEffect>
-                      <a14:backgroundRemoval t="3390" b="94915" l="2609" r="92935">
-                        <a14:foregroundMark x1="2826" y1="61864" x2="20109" y2="62018"/>
-                        <a14:foregroundMark x1="93043" y1="57165" x2="90652" y2="59399"/>
-                        <a14:foregroundMark x1="52935" y1="94992" x2="53587" y2="81664"/>
-                        <a14:foregroundMark x1="66957" y1="3390" x2="67174" y2="10632"/>
-                      </a14:backgroundRemoval>
-                    </a14:imgEffect>
-                    <a14:imgEffect>
-                      <a14:brightnessContrast bright="40000"/>
-                    </a14:imgEffect>
-                  </a14:imgLayer>
-                </a14:imgProps>
-              </a:ext>
-              <a:ext uri="{28A0092B-C50C-407E-A947-70E740481C1C}">
-                <a14:useLocalDpi xmlns:a14="http://schemas.microsoft.com/office/drawing/2010/main" val="0"/>
-              </a:ext>
-            </a:extLst>
-          </a:blip>
-          <a:srcRect/>
-          <a:stretch>
-            <a:fillRect/>
-          </a:stretch>
-        </p:blipFill>
-        <p:spPr bwMode="auto">
-          <a:xfrm>
-            <a:off x="3931600" y="3770255"/>
-            <a:ext cx="1069524" cy="1508931"/>
-          </a:xfrm>
-          <a:prstGeom prst="rect">
-            <a:avLst/>
-          </a:prstGeom>
-          <a:noFill/>
-          <a:ln>
-            <a:noFill/>
-          </a:ln>
-          <a:extLst>
-            <a:ext uri="{909E8E84-426E-40DD-AFC4-6F175D3DCCD1}">
-              <a14:hiddenFill xmlns:a14="http://schemas.microsoft.com/office/drawing/2010/main">
-                <a:solidFill>
-                  <a:srgbClr val="FFFFFF"/>
-                </a:solidFill>
-              </a14:hiddenFill>
-            </a:ext>
-          </a:extLst>
-        </p:spPr>
-      </p:pic>
-      <p:sp>
-        <p:nvSpPr>
-          <p:cNvPr id="5" name="TextBox 4">
-            <a:extLst>
-              <a:ext uri="{FF2B5EF4-FFF2-40B4-BE49-F238E27FC236}">
-                <a16:creationId xmlns:a16="http://schemas.microsoft.com/office/drawing/2014/main" id="{44D3A856-F856-432F-728E-BE957A7C2B15}"/>
+      <p:sp>
+        <p:nvSpPr>
+          <p:cNvPr id="3" name="TextBox 2">
+            <a:extLst>
+              <a:ext uri="{FF2B5EF4-FFF2-40B4-BE49-F238E27FC236}">
+                <a16:creationId xmlns:a16="http://schemas.microsoft.com/office/drawing/2014/main" id="{02E74207-3459-D0BB-1F66-414E09584C9F}"/>
               </a:ext>
             </a:extLst>
           </p:cNvPr>
@@ -3506,8 +3394,8 @@
         </p:nvSpPr>
         <p:spPr>
           <a:xfrm>
-            <a:off x="4649702" y="3249565"/>
-            <a:ext cx="1069524" cy="2092881"/>
+            <a:off x="2189872" y="1871003"/>
+            <a:ext cx="4185761" cy="1409360"/>
           </a:xfrm>
           <a:prstGeom prst="rect">
             <a:avLst/>
@@ -3520,31 +3408,1697 @@
           </a:bodyPr>
           <a:lstStyle/>
           <a:p>
-            <a:r>
-              <a:rPr lang="en-US" sz="13000" dirty="0">
-                <a:ln>
+            <a:pPr>
+              <a:lnSpc>
+                <a:spcPts val="5080"/>
+              </a:lnSpc>
+            </a:pPr>
+            <a:r>
+              <a:rPr lang="en-US" sz="5400" dirty="0">
+                <a:ln w="28575">
                   <a:solidFill>
-                    <a:srgbClr val="FF0000"/>
+                    <a:sysClr val="windowText" lastClr="000000"/>
                   </a:solidFill>
                 </a:ln>
                 <a:solidFill>
-                  <a:schemeClr val="bg1"/>
+                  <a:srgbClr val="FF0000"/>
                 </a:solidFill>
-                <a:latin typeface="Forte" panose="03060902040502070203" pitchFamily="66" charset="0"/>
-                <a:ea typeface="Cascadia Code SemiBold" panose="020B0609020000020004" pitchFamily="49" charset="0"/>
-                <a:cs typeface="BrowalliaUPC" panose="020B0502040204020203" pitchFamily="34" charset="-34"/>
+                <a:latin typeface="Eras Bold ITC" panose="020B0907030504020204" pitchFamily="34" charset="0"/>
               </a:rPr>
-              <a:t>u</a:t>
-            </a:r>
-          </a:p>
-        </p:txBody>
-      </p:sp>
-      <p:sp>
-        <p:nvSpPr>
-          <p:cNvPr id="8" name="TextBox 7">
-            <a:extLst>
-              <a:ext uri="{FF2B5EF4-FFF2-40B4-BE49-F238E27FC236}">
-                <a16:creationId xmlns:a16="http://schemas.microsoft.com/office/drawing/2014/main" id="{3501A5C3-0F3A-2612-A0CB-48A307FDCC5D}"/>
+              <a:t>L</a:t>
+            </a:r>
+            <a:r>
+              <a:rPr lang="en-US" sz="5400" dirty="0">
+                <a:ln w="28575">
+                  <a:solidFill>
+                    <a:sysClr val="windowText" lastClr="000000"/>
+                  </a:solidFill>
+                </a:ln>
+                <a:solidFill>
+                  <a:srgbClr val="FFC000"/>
+                </a:solidFill>
+                <a:latin typeface="Eras Bold ITC" panose="020B0907030504020204" pitchFamily="34" charset="0"/>
+              </a:rPr>
+              <a:t>E</a:t>
+            </a:r>
+            <a:r>
+              <a:rPr lang="en-US" sz="5400" dirty="0">
+                <a:ln w="28575">
+                  <a:solidFill>
+                    <a:sysClr val="windowText" lastClr="000000"/>
+                  </a:solidFill>
+                </a:ln>
+                <a:solidFill>
+                  <a:srgbClr val="FFFF00"/>
+                </a:solidFill>
+                <a:latin typeface="Eras Bold ITC" panose="020B0907030504020204" pitchFamily="34" charset="0"/>
+              </a:rPr>
+              <a:t>A</a:t>
+            </a:r>
+            <a:r>
+              <a:rPr lang="en-US" sz="5400" dirty="0">
+                <a:ln w="28575">
+                  <a:solidFill>
+                    <a:sysClr val="windowText" lastClr="000000"/>
+                  </a:solidFill>
+                </a:ln>
+                <a:solidFill>
+                  <a:srgbClr val="92D050"/>
+                </a:solidFill>
+                <a:latin typeface="Eras Bold ITC" panose="020B0907030504020204" pitchFamily="34" charset="0"/>
+              </a:rPr>
+              <a:t>R</a:t>
+            </a:r>
+            <a:r>
+              <a:rPr lang="en-US" sz="5400" dirty="0">
+                <a:ln w="28575">
+                  <a:solidFill>
+                    <a:sysClr val="windowText" lastClr="000000"/>
+                  </a:solidFill>
+                </a:ln>
+                <a:solidFill>
+                  <a:srgbClr val="00B0F0"/>
+                </a:solidFill>
+                <a:latin typeface="Eras Bold ITC" panose="020B0907030504020204" pitchFamily="34" charset="0"/>
+              </a:rPr>
+              <a:t>N</a:t>
+            </a:r>
+            <a:r>
+              <a:rPr lang="en-US" sz="5400" dirty="0">
+                <a:ln w="28575">
+                  <a:solidFill>
+                    <a:sysClr val="windowText" lastClr="000000"/>
+                  </a:solidFill>
+                </a:ln>
+                <a:solidFill>
+                  <a:srgbClr val="0070C0"/>
+                </a:solidFill>
+                <a:latin typeface="Eras Bold ITC" panose="020B0907030504020204" pitchFamily="34" charset="0"/>
+              </a:rPr>
+              <a:t>I</a:t>
+            </a:r>
+            <a:r>
+              <a:rPr lang="en-US" sz="5400" dirty="0">
+                <a:ln w="28575">
+                  <a:solidFill>
+                    <a:sysClr val="windowText" lastClr="000000"/>
+                  </a:solidFill>
+                </a:ln>
+                <a:solidFill>
+                  <a:srgbClr val="002060"/>
+                </a:solidFill>
+                <a:latin typeface="Eras Bold ITC" panose="020B0907030504020204" pitchFamily="34" charset="0"/>
+              </a:rPr>
+              <a:t>N</a:t>
+            </a:r>
+            <a:r>
+              <a:rPr lang="en-US" sz="5400" dirty="0">
+                <a:ln w="28575">
+                  <a:solidFill>
+                    <a:sysClr val="windowText" lastClr="000000"/>
+                  </a:solidFill>
+                </a:ln>
+                <a:solidFill>
+                  <a:srgbClr val="7030A0"/>
+                </a:solidFill>
+                <a:latin typeface="Eras Bold ITC" panose="020B0907030504020204" pitchFamily="34" charset="0"/>
+              </a:rPr>
+              <a:t>G</a:t>
+            </a:r>
+            <a:r>
+              <a:rPr lang="en-US" sz="5400" dirty="0">
+                <a:latin typeface="Eras Bold ITC" panose="020B0907030504020204" pitchFamily="34" charset="0"/>
+              </a:rPr>
+              <a:t> </a:t>
+            </a:r>
+            <a:br>
+              <a:rPr lang="en-US" sz="5400" dirty="0">
+                <a:latin typeface="Eras Bold ITC" panose="020B0907030504020204" pitchFamily="34" charset="0"/>
+              </a:rPr>
+            </a:br>
+            <a:r>
+              <a:rPr lang="en-US" sz="5400" dirty="0">
+                <a:latin typeface="Eras Bold ITC" panose="020B0907030504020204" pitchFamily="34" charset="0"/>
+              </a:rPr>
+              <a:t>SPACE</a:t>
+            </a:r>
+          </a:p>
+        </p:txBody>
+      </p:sp>
+      <p:sp>
+        <p:nvSpPr>
+          <p:cNvPr id="15" name="Freeform: Shape 14">
+            <a:extLst>
+              <a:ext uri="{FF2B5EF4-FFF2-40B4-BE49-F238E27FC236}">
+                <a16:creationId xmlns:a16="http://schemas.microsoft.com/office/drawing/2014/main" id="{6E9A7551-31CC-DD31-F528-DD657A00D49B}"/>
+              </a:ext>
+            </a:extLst>
+          </p:cNvPr>
+          <p:cNvSpPr/>
+          <p:nvPr/>
+        </p:nvSpPr>
+        <p:spPr>
+          <a:xfrm>
+            <a:off x="4637649" y="2495846"/>
+            <a:ext cx="1392702" cy="633044"/>
+          </a:xfrm>
+          <a:custGeom>
+            <a:avLst/>
+            <a:gdLst>
+              <a:gd name="connsiteX0" fmla="*/ 4832787 w 4920936"/>
+              <a:gd name="connsiteY0" fmla="*/ 683188 h 2236780"/>
+              <a:gd name="connsiteX1" fmla="*/ 4427737 w 4920936"/>
+              <a:gd name="connsiteY1" fmla="*/ 191381 h 2236780"/>
+              <a:gd name="connsiteX2" fmla="*/ 4134879 w 4920936"/>
+              <a:gd name="connsiteY2" fmla="*/ 50417 h 2236780"/>
+              <a:gd name="connsiteX3" fmla="*/ 3802533 w 4920936"/>
+              <a:gd name="connsiteY3" fmla="*/ 0 h 2236780"/>
+              <a:gd name="connsiteX4" fmla="*/ 3337877 w 4920936"/>
+              <a:gd name="connsiteY4" fmla="*/ 93548 h 2236780"/>
+              <a:gd name="connsiteX5" fmla="*/ 2990008 w 4920936"/>
+              <a:gd name="connsiteY5" fmla="*/ 291760 h 2236780"/>
+              <a:gd name="connsiteX6" fmla="*/ 2475899 w 4920936"/>
+              <a:gd name="connsiteY6" fmla="*/ 768672 h 2236780"/>
+              <a:gd name="connsiteX7" fmla="*/ 2460509 w 4920936"/>
+              <a:gd name="connsiteY7" fmla="*/ 785496 h 2236780"/>
+              <a:gd name="connsiteX8" fmla="*/ 2457173 w 4920936"/>
+              <a:gd name="connsiteY8" fmla="*/ 781826 h 2236780"/>
+              <a:gd name="connsiteX9" fmla="*/ 2179947 w 4920936"/>
+              <a:gd name="connsiteY9" fmla="*/ 499657 h 2236780"/>
+              <a:gd name="connsiteX10" fmla="*/ 1705044 w 4920936"/>
+              <a:gd name="connsiteY10" fmla="*/ 150341 h 2236780"/>
+              <a:gd name="connsiteX11" fmla="*/ 1426558 w 4920936"/>
+              <a:gd name="connsiteY11" fmla="*/ 40706 h 2236780"/>
+              <a:gd name="connsiteX12" fmla="*/ 1118390 w 4920936"/>
+              <a:gd name="connsiteY12" fmla="*/ 14 h 2236780"/>
+              <a:gd name="connsiteX13" fmla="*/ 683188 w 4920936"/>
+              <a:gd name="connsiteY13" fmla="*/ 88163 h 2236780"/>
+              <a:gd name="connsiteX14" fmla="*/ 191381 w 4920936"/>
+              <a:gd name="connsiteY14" fmla="*/ 493214 h 2236780"/>
+              <a:gd name="connsiteX15" fmla="*/ 50417 w 4920936"/>
+              <a:gd name="connsiteY15" fmla="*/ 786072 h 2236780"/>
+              <a:gd name="connsiteX16" fmla="*/ 0 w 4920936"/>
+              <a:gd name="connsiteY16" fmla="*/ 1118417 h 2236780"/>
+              <a:gd name="connsiteX17" fmla="*/ 88149 w 4920936"/>
+              <a:gd name="connsiteY17" fmla="*/ 1553619 h 2236780"/>
+              <a:gd name="connsiteX18" fmla="*/ 493200 w 4920936"/>
+              <a:gd name="connsiteY18" fmla="*/ 2045399 h 2236780"/>
+              <a:gd name="connsiteX19" fmla="*/ 786058 w 4920936"/>
+              <a:gd name="connsiteY19" fmla="*/ 2186363 h 2236780"/>
+              <a:gd name="connsiteX20" fmla="*/ 1118403 w 4920936"/>
+              <a:gd name="connsiteY20" fmla="*/ 2236780 h 2236780"/>
+              <a:gd name="connsiteX21" fmla="*/ 1583060 w 4920936"/>
+              <a:gd name="connsiteY21" fmla="*/ 2143233 h 2236780"/>
+              <a:gd name="connsiteX22" fmla="*/ 1930929 w 4920936"/>
+              <a:gd name="connsiteY22" fmla="*/ 1945020 h 2236780"/>
+              <a:gd name="connsiteX23" fmla="*/ 2445038 w 4920936"/>
+              <a:gd name="connsiteY23" fmla="*/ 1468108 h 2236780"/>
+              <a:gd name="connsiteX24" fmla="*/ 2460428 w 4920936"/>
+              <a:gd name="connsiteY24" fmla="*/ 1451298 h 2236780"/>
+              <a:gd name="connsiteX25" fmla="*/ 2463763 w 4920936"/>
+              <a:gd name="connsiteY25" fmla="*/ 1454968 h 2236780"/>
+              <a:gd name="connsiteX26" fmla="*/ 2740990 w 4920936"/>
+              <a:gd name="connsiteY26" fmla="*/ 1737137 h 2236780"/>
+              <a:gd name="connsiteX27" fmla="*/ 3215893 w 4920936"/>
+              <a:gd name="connsiteY27" fmla="*/ 2086453 h 2236780"/>
+              <a:gd name="connsiteX28" fmla="*/ 3494379 w 4920936"/>
+              <a:gd name="connsiteY28" fmla="*/ 2196088 h 2236780"/>
+              <a:gd name="connsiteX29" fmla="*/ 3802547 w 4920936"/>
+              <a:gd name="connsiteY29" fmla="*/ 2236780 h 2236780"/>
+              <a:gd name="connsiteX30" fmla="*/ 4237749 w 4920936"/>
+              <a:gd name="connsiteY30" fmla="*/ 2148630 h 2236780"/>
+              <a:gd name="connsiteX31" fmla="*/ 4729556 w 4920936"/>
+              <a:gd name="connsiteY31" fmla="*/ 1743580 h 2236780"/>
+              <a:gd name="connsiteX32" fmla="*/ 4870520 w 4920936"/>
+              <a:gd name="connsiteY32" fmla="*/ 1450722 h 2236780"/>
+              <a:gd name="connsiteX33" fmla="*/ 4920937 w 4920936"/>
+              <a:gd name="connsiteY33" fmla="*/ 1118390 h 2236780"/>
+              <a:gd name="connsiteX34" fmla="*/ 4832787 w 4920936"/>
+              <a:gd name="connsiteY34" fmla="*/ 683188 h 2236780"/>
+              <a:gd name="connsiteX35" fmla="*/ 2128404 w 4920936"/>
+              <a:gd name="connsiteY35" fmla="*/ 1151635 h 2236780"/>
+              <a:gd name="connsiteX36" fmla="*/ 1874699 w 4920936"/>
+              <a:gd name="connsiteY36" fmla="*/ 1410137 h 2236780"/>
+              <a:gd name="connsiteX37" fmla="*/ 1498085 w 4920936"/>
+              <a:gd name="connsiteY37" fmla="*/ 1689868 h 2236780"/>
+              <a:gd name="connsiteX38" fmla="*/ 1311177 w 4920936"/>
+              <a:gd name="connsiteY38" fmla="*/ 1763873 h 2236780"/>
+              <a:gd name="connsiteX39" fmla="*/ 1118417 w 4920936"/>
+              <a:gd name="connsiteY39" fmla="*/ 1789416 h 2236780"/>
+              <a:gd name="connsiteX40" fmla="*/ 857732 w 4920936"/>
+              <a:gd name="connsiteY40" fmla="*/ 1736722 h 2236780"/>
+              <a:gd name="connsiteX41" fmla="*/ 561994 w 4920936"/>
+              <a:gd name="connsiteY41" fmla="*/ 1493008 h 2236780"/>
+              <a:gd name="connsiteX42" fmla="*/ 477528 w 4920936"/>
+              <a:gd name="connsiteY42" fmla="*/ 1317620 h 2236780"/>
+              <a:gd name="connsiteX43" fmla="*/ 447377 w 4920936"/>
+              <a:gd name="connsiteY43" fmla="*/ 1118404 h 2236780"/>
+              <a:gd name="connsiteX44" fmla="*/ 500071 w 4920936"/>
+              <a:gd name="connsiteY44" fmla="*/ 857733 h 2236780"/>
+              <a:gd name="connsiteX45" fmla="*/ 743798 w 4920936"/>
+              <a:gd name="connsiteY45" fmla="*/ 561995 h 2236780"/>
+              <a:gd name="connsiteX46" fmla="*/ 919213 w 4920936"/>
+              <a:gd name="connsiteY46" fmla="*/ 477529 h 2236780"/>
+              <a:gd name="connsiteX47" fmla="*/ 1118430 w 4920936"/>
+              <a:gd name="connsiteY47" fmla="*/ 447378 h 2236780"/>
+              <a:gd name="connsiteX48" fmla="*/ 1413699 w 4920936"/>
+              <a:gd name="connsiteY48" fmla="*/ 507613 h 2236780"/>
+              <a:gd name="connsiteX49" fmla="*/ 1667405 w 4920936"/>
+              <a:gd name="connsiteY49" fmla="*/ 653252 h 2236780"/>
+              <a:gd name="connsiteX50" fmla="*/ 2116832 w 4920936"/>
+              <a:gd name="connsiteY50" fmla="*/ 1072648 h 2236780"/>
+              <a:gd name="connsiteX51" fmla="*/ 2158716 w 4920936"/>
+              <a:gd name="connsiteY51" fmla="*/ 1118430 h 2236780"/>
+              <a:gd name="connsiteX52" fmla="*/ 2128404 w 4920936"/>
+              <a:gd name="connsiteY52" fmla="*/ 1151635 h 2236780"/>
+              <a:gd name="connsiteX53" fmla="*/ 4420905 w 4920936"/>
+              <a:gd name="connsiteY53" fmla="*/ 1379088 h 2236780"/>
+              <a:gd name="connsiteX54" fmla="*/ 4177179 w 4920936"/>
+              <a:gd name="connsiteY54" fmla="*/ 1674826 h 2236780"/>
+              <a:gd name="connsiteX55" fmla="*/ 4001764 w 4920936"/>
+              <a:gd name="connsiteY55" fmla="*/ 1759292 h 2236780"/>
+              <a:gd name="connsiteX56" fmla="*/ 3802547 w 4920936"/>
+              <a:gd name="connsiteY56" fmla="*/ 1789443 h 2236780"/>
+              <a:gd name="connsiteX57" fmla="*/ 3507278 w 4920936"/>
+              <a:gd name="connsiteY57" fmla="*/ 1729208 h 2236780"/>
+              <a:gd name="connsiteX58" fmla="*/ 3253572 w 4920936"/>
+              <a:gd name="connsiteY58" fmla="*/ 1583569 h 2236780"/>
+              <a:gd name="connsiteX59" fmla="*/ 2804145 w 4920936"/>
+              <a:gd name="connsiteY59" fmla="*/ 1164173 h 2236780"/>
+              <a:gd name="connsiteX60" fmla="*/ 2762261 w 4920936"/>
+              <a:gd name="connsiteY60" fmla="*/ 1118390 h 2236780"/>
+              <a:gd name="connsiteX61" fmla="*/ 2792572 w 4920936"/>
+              <a:gd name="connsiteY61" fmla="*/ 1085158 h 2236780"/>
+              <a:gd name="connsiteX62" fmla="*/ 3046278 w 4920936"/>
+              <a:gd name="connsiteY62" fmla="*/ 826657 h 2236780"/>
+              <a:gd name="connsiteX63" fmla="*/ 3422892 w 4920936"/>
+              <a:gd name="connsiteY63" fmla="*/ 546926 h 2236780"/>
+              <a:gd name="connsiteX64" fmla="*/ 3609799 w 4920936"/>
+              <a:gd name="connsiteY64" fmla="*/ 472921 h 2236780"/>
+              <a:gd name="connsiteX65" fmla="*/ 3802560 w 4920936"/>
+              <a:gd name="connsiteY65" fmla="*/ 447378 h 2236780"/>
+              <a:gd name="connsiteX66" fmla="*/ 4063244 w 4920936"/>
+              <a:gd name="connsiteY66" fmla="*/ 500072 h 2236780"/>
+              <a:gd name="connsiteX67" fmla="*/ 4358983 w 4920936"/>
+              <a:gd name="connsiteY67" fmla="*/ 743799 h 2236780"/>
+              <a:gd name="connsiteX68" fmla="*/ 4443448 w 4920936"/>
+              <a:gd name="connsiteY68" fmla="*/ 919187 h 2236780"/>
+              <a:gd name="connsiteX69" fmla="*/ 4473600 w 4920936"/>
+              <a:gd name="connsiteY69" fmla="*/ 1118404 h 2236780"/>
+              <a:gd name="connsiteX70" fmla="*/ 4420905 w 4920936"/>
+              <a:gd name="connsiteY70" fmla="*/ 1379088 h 2236780"/>
+            </a:gdLst>
+            <a:ahLst/>
+            <a:cxnLst>
+              <a:cxn ang="0">
+                <a:pos x="connsiteX0" y="connsiteY0"/>
+              </a:cxn>
+              <a:cxn ang="0">
+                <a:pos x="connsiteX1" y="connsiteY1"/>
+              </a:cxn>
+              <a:cxn ang="0">
+                <a:pos x="connsiteX2" y="connsiteY2"/>
+              </a:cxn>
+              <a:cxn ang="0">
+                <a:pos x="connsiteX3" y="connsiteY3"/>
+              </a:cxn>
+              <a:cxn ang="0">
+                <a:pos x="connsiteX4" y="connsiteY4"/>
+              </a:cxn>
+              <a:cxn ang="0">
+                <a:pos x="connsiteX5" y="connsiteY5"/>
+              </a:cxn>
+              <a:cxn ang="0">
+                <a:pos x="connsiteX6" y="connsiteY6"/>
+              </a:cxn>
+              <a:cxn ang="0">
+                <a:pos x="connsiteX7" y="connsiteY7"/>
+              </a:cxn>
+              <a:cxn ang="0">
+                <a:pos x="connsiteX8" y="connsiteY8"/>
+              </a:cxn>
+              <a:cxn ang="0">
+                <a:pos x="connsiteX9" y="connsiteY9"/>
+              </a:cxn>
+              <a:cxn ang="0">
+                <a:pos x="connsiteX10" y="connsiteY10"/>
+              </a:cxn>
+              <a:cxn ang="0">
+                <a:pos x="connsiteX11" y="connsiteY11"/>
+              </a:cxn>
+              <a:cxn ang="0">
+                <a:pos x="connsiteX12" y="connsiteY12"/>
+              </a:cxn>
+              <a:cxn ang="0">
+                <a:pos x="connsiteX13" y="connsiteY13"/>
+              </a:cxn>
+              <a:cxn ang="0">
+                <a:pos x="connsiteX14" y="connsiteY14"/>
+              </a:cxn>
+              <a:cxn ang="0">
+                <a:pos x="connsiteX15" y="connsiteY15"/>
+              </a:cxn>
+              <a:cxn ang="0">
+                <a:pos x="connsiteX16" y="connsiteY16"/>
+              </a:cxn>
+              <a:cxn ang="0">
+                <a:pos x="connsiteX17" y="connsiteY17"/>
+              </a:cxn>
+              <a:cxn ang="0">
+                <a:pos x="connsiteX18" y="connsiteY18"/>
+              </a:cxn>
+              <a:cxn ang="0">
+                <a:pos x="connsiteX19" y="connsiteY19"/>
+              </a:cxn>
+              <a:cxn ang="0">
+                <a:pos x="connsiteX20" y="connsiteY20"/>
+              </a:cxn>
+              <a:cxn ang="0">
+                <a:pos x="connsiteX21" y="connsiteY21"/>
+              </a:cxn>
+              <a:cxn ang="0">
+                <a:pos x="connsiteX22" y="connsiteY22"/>
+              </a:cxn>
+              <a:cxn ang="0">
+                <a:pos x="connsiteX23" y="connsiteY23"/>
+              </a:cxn>
+              <a:cxn ang="0">
+                <a:pos x="connsiteX24" y="connsiteY24"/>
+              </a:cxn>
+              <a:cxn ang="0">
+                <a:pos x="connsiteX25" y="connsiteY25"/>
+              </a:cxn>
+              <a:cxn ang="0">
+                <a:pos x="connsiteX26" y="connsiteY26"/>
+              </a:cxn>
+              <a:cxn ang="0">
+                <a:pos x="connsiteX27" y="connsiteY27"/>
+              </a:cxn>
+              <a:cxn ang="0">
+                <a:pos x="connsiteX28" y="connsiteY28"/>
+              </a:cxn>
+              <a:cxn ang="0">
+                <a:pos x="connsiteX29" y="connsiteY29"/>
+              </a:cxn>
+              <a:cxn ang="0">
+                <a:pos x="connsiteX30" y="connsiteY30"/>
+              </a:cxn>
+              <a:cxn ang="0">
+                <a:pos x="connsiteX31" y="connsiteY31"/>
+              </a:cxn>
+              <a:cxn ang="0">
+                <a:pos x="connsiteX32" y="connsiteY32"/>
+              </a:cxn>
+              <a:cxn ang="0">
+                <a:pos x="connsiteX33" y="connsiteY33"/>
+              </a:cxn>
+              <a:cxn ang="0">
+                <a:pos x="connsiteX34" y="connsiteY34"/>
+              </a:cxn>
+              <a:cxn ang="0">
+                <a:pos x="connsiteX35" y="connsiteY35"/>
+              </a:cxn>
+              <a:cxn ang="0">
+                <a:pos x="connsiteX36" y="connsiteY36"/>
+              </a:cxn>
+              <a:cxn ang="0">
+                <a:pos x="connsiteX37" y="connsiteY37"/>
+              </a:cxn>
+              <a:cxn ang="0">
+                <a:pos x="connsiteX38" y="connsiteY38"/>
+              </a:cxn>
+              <a:cxn ang="0">
+                <a:pos x="connsiteX39" y="connsiteY39"/>
+              </a:cxn>
+              <a:cxn ang="0">
+                <a:pos x="connsiteX40" y="connsiteY40"/>
+              </a:cxn>
+              <a:cxn ang="0">
+                <a:pos x="connsiteX41" y="connsiteY41"/>
+              </a:cxn>
+              <a:cxn ang="0">
+                <a:pos x="connsiteX42" y="connsiteY42"/>
+              </a:cxn>
+              <a:cxn ang="0">
+                <a:pos x="connsiteX43" y="connsiteY43"/>
+              </a:cxn>
+              <a:cxn ang="0">
+                <a:pos x="connsiteX44" y="connsiteY44"/>
+              </a:cxn>
+              <a:cxn ang="0">
+                <a:pos x="connsiteX45" y="connsiteY45"/>
+              </a:cxn>
+              <a:cxn ang="0">
+                <a:pos x="connsiteX46" y="connsiteY46"/>
+              </a:cxn>
+              <a:cxn ang="0">
+                <a:pos x="connsiteX47" y="connsiteY47"/>
+              </a:cxn>
+              <a:cxn ang="0">
+                <a:pos x="connsiteX48" y="connsiteY48"/>
+              </a:cxn>
+              <a:cxn ang="0">
+                <a:pos x="connsiteX49" y="connsiteY49"/>
+              </a:cxn>
+              <a:cxn ang="0">
+                <a:pos x="connsiteX50" y="connsiteY50"/>
+              </a:cxn>
+              <a:cxn ang="0">
+                <a:pos x="connsiteX51" y="connsiteY51"/>
+              </a:cxn>
+              <a:cxn ang="0">
+                <a:pos x="connsiteX52" y="connsiteY52"/>
+              </a:cxn>
+              <a:cxn ang="0">
+                <a:pos x="connsiteX53" y="connsiteY53"/>
+              </a:cxn>
+              <a:cxn ang="0">
+                <a:pos x="connsiteX54" y="connsiteY54"/>
+              </a:cxn>
+              <a:cxn ang="0">
+                <a:pos x="connsiteX55" y="connsiteY55"/>
+              </a:cxn>
+              <a:cxn ang="0">
+                <a:pos x="connsiteX56" y="connsiteY56"/>
+              </a:cxn>
+              <a:cxn ang="0">
+                <a:pos x="connsiteX57" y="connsiteY57"/>
+              </a:cxn>
+              <a:cxn ang="0">
+                <a:pos x="connsiteX58" y="connsiteY58"/>
+              </a:cxn>
+              <a:cxn ang="0">
+                <a:pos x="connsiteX59" y="connsiteY59"/>
+              </a:cxn>
+              <a:cxn ang="0">
+                <a:pos x="connsiteX60" y="connsiteY60"/>
+              </a:cxn>
+              <a:cxn ang="0">
+                <a:pos x="connsiteX61" y="connsiteY61"/>
+              </a:cxn>
+              <a:cxn ang="0">
+                <a:pos x="connsiteX62" y="connsiteY62"/>
+              </a:cxn>
+              <a:cxn ang="0">
+                <a:pos x="connsiteX63" y="connsiteY63"/>
+              </a:cxn>
+              <a:cxn ang="0">
+                <a:pos x="connsiteX64" y="connsiteY64"/>
+              </a:cxn>
+              <a:cxn ang="0">
+                <a:pos x="connsiteX65" y="connsiteY65"/>
+              </a:cxn>
+              <a:cxn ang="0">
+                <a:pos x="connsiteX66" y="connsiteY66"/>
+              </a:cxn>
+              <a:cxn ang="0">
+                <a:pos x="connsiteX67" y="connsiteY67"/>
+              </a:cxn>
+              <a:cxn ang="0">
+                <a:pos x="connsiteX68" y="connsiteY68"/>
+              </a:cxn>
+              <a:cxn ang="0">
+                <a:pos x="connsiteX69" y="connsiteY69"/>
+              </a:cxn>
+              <a:cxn ang="0">
+                <a:pos x="connsiteX70" y="connsiteY70"/>
+              </a:cxn>
+            </a:cxnLst>
+            <a:rect l="l" t="t" r="r" b="b"/>
+            <a:pathLst>
+              <a:path w="4920936" h="2236780">
+                <a:moveTo>
+                  <a:pt x="4832787" y="683188"/>
+                </a:moveTo>
+                <a:cubicBezTo>
+                  <a:pt x="4747612" y="482284"/>
+                  <a:pt x="4606058" y="311999"/>
+                  <a:pt x="4427737" y="191381"/>
+                </a:cubicBezTo>
+                <a:cubicBezTo>
+                  <a:pt x="4338569" y="131079"/>
+                  <a:pt x="4240066" y="83207"/>
+                  <a:pt x="4134879" y="50417"/>
+                </a:cubicBezTo>
+                <a:cubicBezTo>
+                  <a:pt x="4029705" y="17628"/>
+                  <a:pt x="3917807" y="-13"/>
+                  <a:pt x="3802533" y="0"/>
+                </a:cubicBezTo>
+                <a:cubicBezTo>
+                  <a:pt x="3636950" y="-147"/>
+                  <a:pt x="3480582" y="35000"/>
+                  <a:pt x="3337877" y="93548"/>
+                </a:cubicBezTo>
+                <a:cubicBezTo>
+                  <a:pt x="3212799" y="144755"/>
+                  <a:pt x="3097660" y="213295"/>
+                  <a:pt x="2990008" y="291760"/>
+                </a:cubicBezTo>
+                <a:cubicBezTo>
+                  <a:pt x="2801694" y="429295"/>
+                  <a:pt x="2635039" y="597062"/>
+                  <a:pt x="2475899" y="768672"/>
+                </a:cubicBezTo>
+                <a:cubicBezTo>
+                  <a:pt x="2470729" y="774258"/>
+                  <a:pt x="2465665" y="779884"/>
+                  <a:pt x="2460509" y="785496"/>
+                </a:cubicBezTo>
+                <a:cubicBezTo>
+                  <a:pt x="2459397" y="784277"/>
+                  <a:pt x="2458285" y="783045"/>
+                  <a:pt x="2457173" y="781826"/>
+                </a:cubicBezTo>
+                <a:cubicBezTo>
+                  <a:pt x="2367952" y="685131"/>
+                  <a:pt x="2276267" y="589601"/>
+                  <a:pt x="2179947" y="499657"/>
+                </a:cubicBezTo>
+                <a:cubicBezTo>
+                  <a:pt x="2035420" y="364908"/>
+                  <a:pt x="1880405" y="242040"/>
+                  <a:pt x="1705044" y="150341"/>
+                </a:cubicBezTo>
+                <a:cubicBezTo>
+                  <a:pt x="1617417" y="104585"/>
+                  <a:pt x="1524633" y="66893"/>
+                  <a:pt x="1426558" y="40706"/>
+                </a:cubicBezTo>
+                <a:cubicBezTo>
+                  <a:pt x="1328537" y="14507"/>
+                  <a:pt x="1225278" y="-13"/>
+                  <a:pt x="1118390" y="14"/>
+                </a:cubicBezTo>
+                <a:cubicBezTo>
+                  <a:pt x="964674" y="-13"/>
+                  <a:pt x="817067" y="31397"/>
+                  <a:pt x="683188" y="88163"/>
+                </a:cubicBezTo>
+                <a:cubicBezTo>
+                  <a:pt x="482284" y="173339"/>
+                  <a:pt x="311999" y="314893"/>
+                  <a:pt x="191381" y="493214"/>
+                </a:cubicBezTo>
+                <a:cubicBezTo>
+                  <a:pt x="131079" y="582381"/>
+                  <a:pt x="83207" y="680885"/>
+                  <a:pt x="50417" y="786072"/>
+                </a:cubicBezTo>
+                <a:cubicBezTo>
+                  <a:pt x="17627" y="891246"/>
+                  <a:pt x="-13" y="1003144"/>
+                  <a:pt x="0" y="1118417"/>
+                </a:cubicBezTo>
+                <a:cubicBezTo>
+                  <a:pt x="-27" y="1272133"/>
+                  <a:pt x="31383" y="1419740"/>
+                  <a:pt x="88149" y="1553619"/>
+                </a:cubicBezTo>
+                <a:cubicBezTo>
+                  <a:pt x="173325" y="1754496"/>
+                  <a:pt x="314892" y="1924781"/>
+                  <a:pt x="493200" y="2045399"/>
+                </a:cubicBezTo>
+                <a:cubicBezTo>
+                  <a:pt x="582368" y="2105701"/>
+                  <a:pt x="680871" y="2153573"/>
+                  <a:pt x="786058" y="2186363"/>
+                </a:cubicBezTo>
+                <a:cubicBezTo>
+                  <a:pt x="891232" y="2219153"/>
+                  <a:pt x="1003130" y="2236793"/>
+                  <a:pt x="1118403" y="2236780"/>
+                </a:cubicBezTo>
+                <a:cubicBezTo>
+                  <a:pt x="1283986" y="2236914"/>
+                  <a:pt x="1440354" y="2201780"/>
+                  <a:pt x="1583060" y="2143233"/>
+                </a:cubicBezTo>
+                <a:cubicBezTo>
+                  <a:pt x="1708138" y="2092025"/>
+                  <a:pt x="1823277" y="2023485"/>
+                  <a:pt x="1930929" y="1945020"/>
+                </a:cubicBezTo>
+                <a:cubicBezTo>
+                  <a:pt x="2119243" y="1807485"/>
+                  <a:pt x="2285898" y="1639719"/>
+                  <a:pt x="2445038" y="1468108"/>
+                </a:cubicBezTo>
+                <a:cubicBezTo>
+                  <a:pt x="2450208" y="1462522"/>
+                  <a:pt x="2455271" y="1456897"/>
+                  <a:pt x="2460428" y="1451298"/>
+                </a:cubicBezTo>
+                <a:cubicBezTo>
+                  <a:pt x="2461540" y="1452517"/>
+                  <a:pt x="2462652" y="1453749"/>
+                  <a:pt x="2463763" y="1454968"/>
+                </a:cubicBezTo>
+                <a:cubicBezTo>
+                  <a:pt x="2552984" y="1551663"/>
+                  <a:pt x="2644670" y="1647193"/>
+                  <a:pt x="2740990" y="1737137"/>
+                </a:cubicBezTo>
+                <a:cubicBezTo>
+                  <a:pt x="2885517" y="1871886"/>
+                  <a:pt x="3040532" y="1994754"/>
+                  <a:pt x="3215893" y="2086453"/>
+                </a:cubicBezTo>
+                <a:cubicBezTo>
+                  <a:pt x="3303520" y="2132182"/>
+                  <a:pt x="3396304" y="2169901"/>
+                  <a:pt x="3494379" y="2196088"/>
+                </a:cubicBezTo>
+                <a:cubicBezTo>
+                  <a:pt x="3592400" y="2222287"/>
+                  <a:pt x="3695658" y="2236807"/>
+                  <a:pt x="3802547" y="2236780"/>
+                </a:cubicBezTo>
+                <a:cubicBezTo>
+                  <a:pt x="3956262" y="2236807"/>
+                  <a:pt x="4103870" y="2205384"/>
+                  <a:pt x="4237749" y="2148630"/>
+                </a:cubicBezTo>
+                <a:cubicBezTo>
+                  <a:pt x="4438653" y="2063455"/>
+                  <a:pt x="4608938" y="1921902"/>
+                  <a:pt x="4729556" y="1743580"/>
+                </a:cubicBezTo>
+                <a:cubicBezTo>
+                  <a:pt x="4789858" y="1654413"/>
+                  <a:pt x="4837730" y="1555909"/>
+                  <a:pt x="4870520" y="1450722"/>
+                </a:cubicBezTo>
+                <a:cubicBezTo>
+                  <a:pt x="4903310" y="1345548"/>
+                  <a:pt x="4920950" y="1233650"/>
+                  <a:pt x="4920937" y="1118390"/>
+                </a:cubicBezTo>
+                <a:cubicBezTo>
+                  <a:pt x="4920963" y="964674"/>
+                  <a:pt x="4889553" y="817067"/>
+                  <a:pt x="4832787" y="683188"/>
+                </a:cubicBezTo>
+                <a:close/>
+                <a:moveTo>
+                  <a:pt x="2128404" y="1151635"/>
+                </a:moveTo>
+                <a:cubicBezTo>
+                  <a:pt x="2043282" y="1243911"/>
+                  <a:pt x="1958897" y="1331564"/>
+                  <a:pt x="1874699" y="1410137"/>
+                </a:cubicBezTo>
+                <a:cubicBezTo>
+                  <a:pt x="1748442" y="1528183"/>
+                  <a:pt x="1622654" y="1625038"/>
+                  <a:pt x="1498085" y="1689868"/>
+                </a:cubicBezTo>
+                <a:cubicBezTo>
+                  <a:pt x="1435747" y="1722390"/>
+                  <a:pt x="1373783" y="1747156"/>
+                  <a:pt x="1311177" y="1763873"/>
+                </a:cubicBezTo>
+                <a:cubicBezTo>
+                  <a:pt x="1248518" y="1780576"/>
+                  <a:pt x="1185188" y="1789389"/>
+                  <a:pt x="1118417" y="1789416"/>
+                </a:cubicBezTo>
+                <a:cubicBezTo>
+                  <a:pt x="1025445" y="1789389"/>
+                  <a:pt x="937872" y="1770624"/>
+                  <a:pt x="857732" y="1736722"/>
+                </a:cubicBezTo>
+                <a:cubicBezTo>
+                  <a:pt x="737610" y="1685890"/>
+                  <a:pt x="634512" y="1600325"/>
+                  <a:pt x="561994" y="1493008"/>
+                </a:cubicBezTo>
+                <a:cubicBezTo>
+                  <a:pt x="525722" y="1439363"/>
+                  <a:pt x="497098" y="1380414"/>
+                  <a:pt x="477528" y="1317620"/>
+                </a:cubicBezTo>
+                <a:cubicBezTo>
+                  <a:pt x="457959" y="1254800"/>
+                  <a:pt x="447377" y="1188149"/>
+                  <a:pt x="447377" y="1118404"/>
+                </a:cubicBezTo>
+                <a:cubicBezTo>
+                  <a:pt x="447404" y="1025432"/>
+                  <a:pt x="466170" y="937859"/>
+                  <a:pt x="500071" y="857733"/>
+                </a:cubicBezTo>
+                <a:cubicBezTo>
+                  <a:pt x="550904" y="737624"/>
+                  <a:pt x="636468" y="634513"/>
+                  <a:pt x="743798" y="561995"/>
+                </a:cubicBezTo>
+                <a:cubicBezTo>
+                  <a:pt x="797430" y="525722"/>
+                  <a:pt x="856393" y="497098"/>
+                  <a:pt x="919213" y="477529"/>
+                </a:cubicBezTo>
+                <a:cubicBezTo>
+                  <a:pt x="982034" y="457960"/>
+                  <a:pt x="1048685" y="447378"/>
+                  <a:pt x="1118430" y="447378"/>
+                </a:cubicBezTo>
+                <a:cubicBezTo>
+                  <a:pt x="1221675" y="447512"/>
+                  <a:pt x="1317205" y="468300"/>
+                  <a:pt x="1413699" y="507613"/>
+                </a:cubicBezTo>
+                <a:cubicBezTo>
+                  <a:pt x="1497910" y="542023"/>
+                  <a:pt x="1582363" y="591222"/>
+                  <a:pt x="1667405" y="653252"/>
+                </a:cubicBezTo>
+                <a:cubicBezTo>
+                  <a:pt x="1816298" y="761560"/>
+                  <a:pt x="1965768" y="909275"/>
+                  <a:pt x="2116832" y="1072648"/>
+                </a:cubicBezTo>
+                <a:cubicBezTo>
+                  <a:pt x="2130749" y="1087676"/>
+                  <a:pt x="2144759" y="1103161"/>
+                  <a:pt x="2158716" y="1118430"/>
+                </a:cubicBezTo>
+                <a:cubicBezTo>
+                  <a:pt x="2148630" y="1129441"/>
+                  <a:pt x="2138491" y="1140719"/>
+                  <a:pt x="2128404" y="1151635"/>
+                </a:cubicBezTo>
+                <a:close/>
+                <a:moveTo>
+                  <a:pt x="4420905" y="1379088"/>
+                </a:moveTo>
+                <a:cubicBezTo>
+                  <a:pt x="4370073" y="1499210"/>
+                  <a:pt x="4284509" y="1602308"/>
+                  <a:pt x="4177179" y="1674826"/>
+                </a:cubicBezTo>
+                <a:cubicBezTo>
+                  <a:pt x="4123547" y="1711098"/>
+                  <a:pt x="4064584" y="1739722"/>
+                  <a:pt x="4001764" y="1759292"/>
+                </a:cubicBezTo>
+                <a:cubicBezTo>
+                  <a:pt x="3938943" y="1778861"/>
+                  <a:pt x="3872292" y="1789443"/>
+                  <a:pt x="3802547" y="1789443"/>
+                </a:cubicBezTo>
+                <a:cubicBezTo>
+                  <a:pt x="3699302" y="1789309"/>
+                  <a:pt x="3603772" y="1768521"/>
+                  <a:pt x="3507278" y="1729208"/>
+                </a:cubicBezTo>
+                <a:cubicBezTo>
+                  <a:pt x="3423067" y="1694797"/>
+                  <a:pt x="3338614" y="1645599"/>
+                  <a:pt x="3253572" y="1583569"/>
+                </a:cubicBezTo>
+                <a:cubicBezTo>
+                  <a:pt x="3104678" y="1475261"/>
+                  <a:pt x="2955209" y="1327546"/>
+                  <a:pt x="2804145" y="1164173"/>
+                </a:cubicBezTo>
+                <a:cubicBezTo>
+                  <a:pt x="2790229" y="1149144"/>
+                  <a:pt x="2776218" y="1133647"/>
+                  <a:pt x="2762261" y="1118390"/>
+                </a:cubicBezTo>
+                <a:cubicBezTo>
+                  <a:pt x="2772360" y="1107340"/>
+                  <a:pt x="2782500" y="1096062"/>
+                  <a:pt x="2792572" y="1085158"/>
+                </a:cubicBezTo>
+                <a:cubicBezTo>
+                  <a:pt x="2877695" y="992883"/>
+                  <a:pt x="2962080" y="905230"/>
+                  <a:pt x="3046278" y="826657"/>
+                </a:cubicBezTo>
+                <a:cubicBezTo>
+                  <a:pt x="3172535" y="708611"/>
+                  <a:pt x="3298323" y="611755"/>
+                  <a:pt x="3422892" y="546926"/>
+                </a:cubicBezTo>
+                <a:cubicBezTo>
+                  <a:pt x="3485230" y="514404"/>
+                  <a:pt x="3547194" y="489637"/>
+                  <a:pt x="3609799" y="472921"/>
+                </a:cubicBezTo>
+                <a:cubicBezTo>
+                  <a:pt x="3672459" y="456218"/>
+                  <a:pt x="3735788" y="447405"/>
+                  <a:pt x="3802560" y="447378"/>
+                </a:cubicBezTo>
+                <a:cubicBezTo>
+                  <a:pt x="3895532" y="447405"/>
+                  <a:pt x="3983105" y="466170"/>
+                  <a:pt x="4063244" y="500072"/>
+                </a:cubicBezTo>
+                <a:cubicBezTo>
+                  <a:pt x="4183367" y="550904"/>
+                  <a:pt x="4286465" y="636468"/>
+                  <a:pt x="4358983" y="743799"/>
+                </a:cubicBezTo>
+                <a:cubicBezTo>
+                  <a:pt x="4395255" y="797444"/>
+                  <a:pt x="4423879" y="856393"/>
+                  <a:pt x="4443448" y="919187"/>
+                </a:cubicBezTo>
+                <a:cubicBezTo>
+                  <a:pt x="4463018" y="982007"/>
+                  <a:pt x="4473600" y="1048658"/>
+                  <a:pt x="4473600" y="1118404"/>
+                </a:cubicBezTo>
+                <a:cubicBezTo>
+                  <a:pt x="4473586" y="1211361"/>
+                  <a:pt x="4454820" y="1298935"/>
+                  <a:pt x="4420905" y="1379088"/>
+                </a:cubicBezTo>
+                <a:close/>
+              </a:path>
+            </a:pathLst>
+          </a:custGeom>
+          <a:gradFill flip="none" rotWithShape="1">
+            <a:gsLst>
+              <a:gs pos="12000">
+                <a:srgbClr val="FF0000"/>
+              </a:gs>
+              <a:gs pos="72000">
+                <a:srgbClr val="00B0F0"/>
+              </a:gs>
+              <a:gs pos="55482">
+                <a:srgbClr val="92D050"/>
+              </a:gs>
+              <a:gs pos="37000">
+                <a:srgbClr val="FFC000"/>
+              </a:gs>
+              <a:gs pos="81000">
+                <a:srgbClr val="7030A0"/>
+              </a:gs>
+            </a:gsLst>
+            <a:path path="circle">
+              <a:fillToRect t="100000" r="100000"/>
+            </a:path>
+            <a:tileRect l="-100000" b="-100000"/>
+          </a:gradFill>
+          <a:ln w="13395" cap="flat">
+            <a:noFill/>
+            <a:prstDash val="solid"/>
+            <a:miter/>
+          </a:ln>
+        </p:spPr>
+        <p:txBody>
+          <a:bodyPr rtlCol="0" anchor="ctr"/>
+          <a:lstStyle/>
+          <a:p>
+            <a:endParaRPr lang="en-US"/>
+          </a:p>
+        </p:txBody>
+      </p:sp>
+      <p:sp>
+        <p:nvSpPr>
+          <p:cNvPr id="16" name="Freeform: Shape 15">
+            <a:extLst>
+              <a:ext uri="{FF2B5EF4-FFF2-40B4-BE49-F238E27FC236}">
+                <a16:creationId xmlns:a16="http://schemas.microsoft.com/office/drawing/2014/main" id="{D23CEA03-728F-EBFD-C73F-22531A887A3E}"/>
+              </a:ext>
+            </a:extLst>
+          </p:cNvPr>
+          <p:cNvSpPr/>
+          <p:nvPr/>
+        </p:nvSpPr>
+        <p:spPr>
+          <a:xfrm>
+            <a:off x="2890050" y="4462978"/>
+            <a:ext cx="1392702" cy="633044"/>
+          </a:xfrm>
+          <a:custGeom>
+            <a:avLst/>
+            <a:gdLst>
+              <a:gd name="connsiteX0" fmla="*/ 4832787 w 4920936"/>
+              <a:gd name="connsiteY0" fmla="*/ 683188 h 2236780"/>
+              <a:gd name="connsiteX1" fmla="*/ 4427737 w 4920936"/>
+              <a:gd name="connsiteY1" fmla="*/ 191381 h 2236780"/>
+              <a:gd name="connsiteX2" fmla="*/ 4134879 w 4920936"/>
+              <a:gd name="connsiteY2" fmla="*/ 50417 h 2236780"/>
+              <a:gd name="connsiteX3" fmla="*/ 3802533 w 4920936"/>
+              <a:gd name="connsiteY3" fmla="*/ 0 h 2236780"/>
+              <a:gd name="connsiteX4" fmla="*/ 3337877 w 4920936"/>
+              <a:gd name="connsiteY4" fmla="*/ 93548 h 2236780"/>
+              <a:gd name="connsiteX5" fmla="*/ 2990008 w 4920936"/>
+              <a:gd name="connsiteY5" fmla="*/ 291760 h 2236780"/>
+              <a:gd name="connsiteX6" fmla="*/ 2475899 w 4920936"/>
+              <a:gd name="connsiteY6" fmla="*/ 768672 h 2236780"/>
+              <a:gd name="connsiteX7" fmla="*/ 2460509 w 4920936"/>
+              <a:gd name="connsiteY7" fmla="*/ 785496 h 2236780"/>
+              <a:gd name="connsiteX8" fmla="*/ 2457173 w 4920936"/>
+              <a:gd name="connsiteY8" fmla="*/ 781826 h 2236780"/>
+              <a:gd name="connsiteX9" fmla="*/ 2179947 w 4920936"/>
+              <a:gd name="connsiteY9" fmla="*/ 499657 h 2236780"/>
+              <a:gd name="connsiteX10" fmla="*/ 1705044 w 4920936"/>
+              <a:gd name="connsiteY10" fmla="*/ 150341 h 2236780"/>
+              <a:gd name="connsiteX11" fmla="*/ 1426558 w 4920936"/>
+              <a:gd name="connsiteY11" fmla="*/ 40706 h 2236780"/>
+              <a:gd name="connsiteX12" fmla="*/ 1118390 w 4920936"/>
+              <a:gd name="connsiteY12" fmla="*/ 14 h 2236780"/>
+              <a:gd name="connsiteX13" fmla="*/ 683188 w 4920936"/>
+              <a:gd name="connsiteY13" fmla="*/ 88163 h 2236780"/>
+              <a:gd name="connsiteX14" fmla="*/ 191381 w 4920936"/>
+              <a:gd name="connsiteY14" fmla="*/ 493214 h 2236780"/>
+              <a:gd name="connsiteX15" fmla="*/ 50417 w 4920936"/>
+              <a:gd name="connsiteY15" fmla="*/ 786072 h 2236780"/>
+              <a:gd name="connsiteX16" fmla="*/ 0 w 4920936"/>
+              <a:gd name="connsiteY16" fmla="*/ 1118417 h 2236780"/>
+              <a:gd name="connsiteX17" fmla="*/ 88149 w 4920936"/>
+              <a:gd name="connsiteY17" fmla="*/ 1553619 h 2236780"/>
+              <a:gd name="connsiteX18" fmla="*/ 493200 w 4920936"/>
+              <a:gd name="connsiteY18" fmla="*/ 2045399 h 2236780"/>
+              <a:gd name="connsiteX19" fmla="*/ 786058 w 4920936"/>
+              <a:gd name="connsiteY19" fmla="*/ 2186363 h 2236780"/>
+              <a:gd name="connsiteX20" fmla="*/ 1118403 w 4920936"/>
+              <a:gd name="connsiteY20" fmla="*/ 2236780 h 2236780"/>
+              <a:gd name="connsiteX21" fmla="*/ 1583060 w 4920936"/>
+              <a:gd name="connsiteY21" fmla="*/ 2143233 h 2236780"/>
+              <a:gd name="connsiteX22" fmla="*/ 1930929 w 4920936"/>
+              <a:gd name="connsiteY22" fmla="*/ 1945020 h 2236780"/>
+              <a:gd name="connsiteX23" fmla="*/ 2445038 w 4920936"/>
+              <a:gd name="connsiteY23" fmla="*/ 1468108 h 2236780"/>
+              <a:gd name="connsiteX24" fmla="*/ 2460428 w 4920936"/>
+              <a:gd name="connsiteY24" fmla="*/ 1451298 h 2236780"/>
+              <a:gd name="connsiteX25" fmla="*/ 2463763 w 4920936"/>
+              <a:gd name="connsiteY25" fmla="*/ 1454968 h 2236780"/>
+              <a:gd name="connsiteX26" fmla="*/ 2740990 w 4920936"/>
+              <a:gd name="connsiteY26" fmla="*/ 1737137 h 2236780"/>
+              <a:gd name="connsiteX27" fmla="*/ 3215893 w 4920936"/>
+              <a:gd name="connsiteY27" fmla="*/ 2086453 h 2236780"/>
+              <a:gd name="connsiteX28" fmla="*/ 3494379 w 4920936"/>
+              <a:gd name="connsiteY28" fmla="*/ 2196088 h 2236780"/>
+              <a:gd name="connsiteX29" fmla="*/ 3802547 w 4920936"/>
+              <a:gd name="connsiteY29" fmla="*/ 2236780 h 2236780"/>
+              <a:gd name="connsiteX30" fmla="*/ 4237749 w 4920936"/>
+              <a:gd name="connsiteY30" fmla="*/ 2148630 h 2236780"/>
+              <a:gd name="connsiteX31" fmla="*/ 4729556 w 4920936"/>
+              <a:gd name="connsiteY31" fmla="*/ 1743580 h 2236780"/>
+              <a:gd name="connsiteX32" fmla="*/ 4870520 w 4920936"/>
+              <a:gd name="connsiteY32" fmla="*/ 1450722 h 2236780"/>
+              <a:gd name="connsiteX33" fmla="*/ 4920937 w 4920936"/>
+              <a:gd name="connsiteY33" fmla="*/ 1118390 h 2236780"/>
+              <a:gd name="connsiteX34" fmla="*/ 4832787 w 4920936"/>
+              <a:gd name="connsiteY34" fmla="*/ 683188 h 2236780"/>
+              <a:gd name="connsiteX35" fmla="*/ 2128404 w 4920936"/>
+              <a:gd name="connsiteY35" fmla="*/ 1151635 h 2236780"/>
+              <a:gd name="connsiteX36" fmla="*/ 1874699 w 4920936"/>
+              <a:gd name="connsiteY36" fmla="*/ 1410137 h 2236780"/>
+              <a:gd name="connsiteX37" fmla="*/ 1498085 w 4920936"/>
+              <a:gd name="connsiteY37" fmla="*/ 1689868 h 2236780"/>
+              <a:gd name="connsiteX38" fmla="*/ 1311177 w 4920936"/>
+              <a:gd name="connsiteY38" fmla="*/ 1763873 h 2236780"/>
+              <a:gd name="connsiteX39" fmla="*/ 1118417 w 4920936"/>
+              <a:gd name="connsiteY39" fmla="*/ 1789416 h 2236780"/>
+              <a:gd name="connsiteX40" fmla="*/ 857732 w 4920936"/>
+              <a:gd name="connsiteY40" fmla="*/ 1736722 h 2236780"/>
+              <a:gd name="connsiteX41" fmla="*/ 561994 w 4920936"/>
+              <a:gd name="connsiteY41" fmla="*/ 1493008 h 2236780"/>
+              <a:gd name="connsiteX42" fmla="*/ 477528 w 4920936"/>
+              <a:gd name="connsiteY42" fmla="*/ 1317620 h 2236780"/>
+              <a:gd name="connsiteX43" fmla="*/ 447377 w 4920936"/>
+              <a:gd name="connsiteY43" fmla="*/ 1118404 h 2236780"/>
+              <a:gd name="connsiteX44" fmla="*/ 500071 w 4920936"/>
+              <a:gd name="connsiteY44" fmla="*/ 857733 h 2236780"/>
+              <a:gd name="connsiteX45" fmla="*/ 743798 w 4920936"/>
+              <a:gd name="connsiteY45" fmla="*/ 561995 h 2236780"/>
+              <a:gd name="connsiteX46" fmla="*/ 919213 w 4920936"/>
+              <a:gd name="connsiteY46" fmla="*/ 477529 h 2236780"/>
+              <a:gd name="connsiteX47" fmla="*/ 1118430 w 4920936"/>
+              <a:gd name="connsiteY47" fmla="*/ 447378 h 2236780"/>
+              <a:gd name="connsiteX48" fmla="*/ 1413699 w 4920936"/>
+              <a:gd name="connsiteY48" fmla="*/ 507613 h 2236780"/>
+              <a:gd name="connsiteX49" fmla="*/ 1667405 w 4920936"/>
+              <a:gd name="connsiteY49" fmla="*/ 653252 h 2236780"/>
+              <a:gd name="connsiteX50" fmla="*/ 2116832 w 4920936"/>
+              <a:gd name="connsiteY50" fmla="*/ 1072648 h 2236780"/>
+              <a:gd name="connsiteX51" fmla="*/ 2158716 w 4920936"/>
+              <a:gd name="connsiteY51" fmla="*/ 1118430 h 2236780"/>
+              <a:gd name="connsiteX52" fmla="*/ 2128404 w 4920936"/>
+              <a:gd name="connsiteY52" fmla="*/ 1151635 h 2236780"/>
+              <a:gd name="connsiteX53" fmla="*/ 4420905 w 4920936"/>
+              <a:gd name="connsiteY53" fmla="*/ 1379088 h 2236780"/>
+              <a:gd name="connsiteX54" fmla="*/ 4177179 w 4920936"/>
+              <a:gd name="connsiteY54" fmla="*/ 1674826 h 2236780"/>
+              <a:gd name="connsiteX55" fmla="*/ 4001764 w 4920936"/>
+              <a:gd name="connsiteY55" fmla="*/ 1759292 h 2236780"/>
+              <a:gd name="connsiteX56" fmla="*/ 3802547 w 4920936"/>
+              <a:gd name="connsiteY56" fmla="*/ 1789443 h 2236780"/>
+              <a:gd name="connsiteX57" fmla="*/ 3507278 w 4920936"/>
+              <a:gd name="connsiteY57" fmla="*/ 1729208 h 2236780"/>
+              <a:gd name="connsiteX58" fmla="*/ 3253572 w 4920936"/>
+              <a:gd name="connsiteY58" fmla="*/ 1583569 h 2236780"/>
+              <a:gd name="connsiteX59" fmla="*/ 2804145 w 4920936"/>
+              <a:gd name="connsiteY59" fmla="*/ 1164173 h 2236780"/>
+              <a:gd name="connsiteX60" fmla="*/ 2762261 w 4920936"/>
+              <a:gd name="connsiteY60" fmla="*/ 1118390 h 2236780"/>
+              <a:gd name="connsiteX61" fmla="*/ 2792572 w 4920936"/>
+              <a:gd name="connsiteY61" fmla="*/ 1085158 h 2236780"/>
+              <a:gd name="connsiteX62" fmla="*/ 3046278 w 4920936"/>
+              <a:gd name="connsiteY62" fmla="*/ 826657 h 2236780"/>
+              <a:gd name="connsiteX63" fmla="*/ 3422892 w 4920936"/>
+              <a:gd name="connsiteY63" fmla="*/ 546926 h 2236780"/>
+              <a:gd name="connsiteX64" fmla="*/ 3609799 w 4920936"/>
+              <a:gd name="connsiteY64" fmla="*/ 472921 h 2236780"/>
+              <a:gd name="connsiteX65" fmla="*/ 3802560 w 4920936"/>
+              <a:gd name="connsiteY65" fmla="*/ 447378 h 2236780"/>
+              <a:gd name="connsiteX66" fmla="*/ 4063244 w 4920936"/>
+              <a:gd name="connsiteY66" fmla="*/ 500072 h 2236780"/>
+              <a:gd name="connsiteX67" fmla="*/ 4358983 w 4920936"/>
+              <a:gd name="connsiteY67" fmla="*/ 743799 h 2236780"/>
+              <a:gd name="connsiteX68" fmla="*/ 4443448 w 4920936"/>
+              <a:gd name="connsiteY68" fmla="*/ 919187 h 2236780"/>
+              <a:gd name="connsiteX69" fmla="*/ 4473600 w 4920936"/>
+              <a:gd name="connsiteY69" fmla="*/ 1118404 h 2236780"/>
+              <a:gd name="connsiteX70" fmla="*/ 4420905 w 4920936"/>
+              <a:gd name="connsiteY70" fmla="*/ 1379088 h 2236780"/>
+            </a:gdLst>
+            <a:ahLst/>
+            <a:cxnLst>
+              <a:cxn ang="0">
+                <a:pos x="connsiteX0" y="connsiteY0"/>
+              </a:cxn>
+              <a:cxn ang="0">
+                <a:pos x="connsiteX1" y="connsiteY1"/>
+              </a:cxn>
+              <a:cxn ang="0">
+                <a:pos x="connsiteX2" y="connsiteY2"/>
+              </a:cxn>
+              <a:cxn ang="0">
+                <a:pos x="connsiteX3" y="connsiteY3"/>
+              </a:cxn>
+              <a:cxn ang="0">
+                <a:pos x="connsiteX4" y="connsiteY4"/>
+              </a:cxn>
+              <a:cxn ang="0">
+                <a:pos x="connsiteX5" y="connsiteY5"/>
+              </a:cxn>
+              <a:cxn ang="0">
+                <a:pos x="connsiteX6" y="connsiteY6"/>
+              </a:cxn>
+              <a:cxn ang="0">
+                <a:pos x="connsiteX7" y="connsiteY7"/>
+              </a:cxn>
+              <a:cxn ang="0">
+                <a:pos x="connsiteX8" y="connsiteY8"/>
+              </a:cxn>
+              <a:cxn ang="0">
+                <a:pos x="connsiteX9" y="connsiteY9"/>
+              </a:cxn>
+              <a:cxn ang="0">
+                <a:pos x="connsiteX10" y="connsiteY10"/>
+              </a:cxn>
+              <a:cxn ang="0">
+                <a:pos x="connsiteX11" y="connsiteY11"/>
+              </a:cxn>
+              <a:cxn ang="0">
+                <a:pos x="connsiteX12" y="connsiteY12"/>
+              </a:cxn>
+              <a:cxn ang="0">
+                <a:pos x="connsiteX13" y="connsiteY13"/>
+              </a:cxn>
+              <a:cxn ang="0">
+                <a:pos x="connsiteX14" y="connsiteY14"/>
+              </a:cxn>
+              <a:cxn ang="0">
+                <a:pos x="connsiteX15" y="connsiteY15"/>
+              </a:cxn>
+              <a:cxn ang="0">
+                <a:pos x="connsiteX16" y="connsiteY16"/>
+              </a:cxn>
+              <a:cxn ang="0">
+                <a:pos x="connsiteX17" y="connsiteY17"/>
+              </a:cxn>
+              <a:cxn ang="0">
+                <a:pos x="connsiteX18" y="connsiteY18"/>
+              </a:cxn>
+              <a:cxn ang="0">
+                <a:pos x="connsiteX19" y="connsiteY19"/>
+              </a:cxn>
+              <a:cxn ang="0">
+                <a:pos x="connsiteX20" y="connsiteY20"/>
+              </a:cxn>
+              <a:cxn ang="0">
+                <a:pos x="connsiteX21" y="connsiteY21"/>
+              </a:cxn>
+              <a:cxn ang="0">
+                <a:pos x="connsiteX22" y="connsiteY22"/>
+              </a:cxn>
+              <a:cxn ang="0">
+                <a:pos x="connsiteX23" y="connsiteY23"/>
+              </a:cxn>
+              <a:cxn ang="0">
+                <a:pos x="connsiteX24" y="connsiteY24"/>
+              </a:cxn>
+              <a:cxn ang="0">
+                <a:pos x="connsiteX25" y="connsiteY25"/>
+              </a:cxn>
+              <a:cxn ang="0">
+                <a:pos x="connsiteX26" y="connsiteY26"/>
+              </a:cxn>
+              <a:cxn ang="0">
+                <a:pos x="connsiteX27" y="connsiteY27"/>
+              </a:cxn>
+              <a:cxn ang="0">
+                <a:pos x="connsiteX28" y="connsiteY28"/>
+              </a:cxn>
+              <a:cxn ang="0">
+                <a:pos x="connsiteX29" y="connsiteY29"/>
+              </a:cxn>
+              <a:cxn ang="0">
+                <a:pos x="connsiteX30" y="connsiteY30"/>
+              </a:cxn>
+              <a:cxn ang="0">
+                <a:pos x="connsiteX31" y="connsiteY31"/>
+              </a:cxn>
+              <a:cxn ang="0">
+                <a:pos x="connsiteX32" y="connsiteY32"/>
+              </a:cxn>
+              <a:cxn ang="0">
+                <a:pos x="connsiteX33" y="connsiteY33"/>
+              </a:cxn>
+              <a:cxn ang="0">
+                <a:pos x="connsiteX34" y="connsiteY34"/>
+              </a:cxn>
+              <a:cxn ang="0">
+                <a:pos x="connsiteX35" y="connsiteY35"/>
+              </a:cxn>
+              <a:cxn ang="0">
+                <a:pos x="connsiteX36" y="connsiteY36"/>
+              </a:cxn>
+              <a:cxn ang="0">
+                <a:pos x="connsiteX37" y="connsiteY37"/>
+              </a:cxn>
+              <a:cxn ang="0">
+                <a:pos x="connsiteX38" y="connsiteY38"/>
+              </a:cxn>
+              <a:cxn ang="0">
+                <a:pos x="connsiteX39" y="connsiteY39"/>
+              </a:cxn>
+              <a:cxn ang="0">
+                <a:pos x="connsiteX40" y="connsiteY40"/>
+              </a:cxn>
+              <a:cxn ang="0">
+                <a:pos x="connsiteX41" y="connsiteY41"/>
+              </a:cxn>
+              <a:cxn ang="0">
+                <a:pos x="connsiteX42" y="connsiteY42"/>
+              </a:cxn>
+              <a:cxn ang="0">
+                <a:pos x="connsiteX43" y="connsiteY43"/>
+              </a:cxn>
+              <a:cxn ang="0">
+                <a:pos x="connsiteX44" y="connsiteY44"/>
+              </a:cxn>
+              <a:cxn ang="0">
+                <a:pos x="connsiteX45" y="connsiteY45"/>
+              </a:cxn>
+              <a:cxn ang="0">
+                <a:pos x="connsiteX46" y="connsiteY46"/>
+              </a:cxn>
+              <a:cxn ang="0">
+                <a:pos x="connsiteX47" y="connsiteY47"/>
+              </a:cxn>
+              <a:cxn ang="0">
+                <a:pos x="connsiteX48" y="connsiteY48"/>
+              </a:cxn>
+              <a:cxn ang="0">
+                <a:pos x="connsiteX49" y="connsiteY49"/>
+              </a:cxn>
+              <a:cxn ang="0">
+                <a:pos x="connsiteX50" y="connsiteY50"/>
+              </a:cxn>
+              <a:cxn ang="0">
+                <a:pos x="connsiteX51" y="connsiteY51"/>
+              </a:cxn>
+              <a:cxn ang="0">
+                <a:pos x="connsiteX52" y="connsiteY52"/>
+              </a:cxn>
+              <a:cxn ang="0">
+                <a:pos x="connsiteX53" y="connsiteY53"/>
+              </a:cxn>
+              <a:cxn ang="0">
+                <a:pos x="connsiteX54" y="connsiteY54"/>
+              </a:cxn>
+              <a:cxn ang="0">
+                <a:pos x="connsiteX55" y="connsiteY55"/>
+              </a:cxn>
+              <a:cxn ang="0">
+                <a:pos x="connsiteX56" y="connsiteY56"/>
+              </a:cxn>
+              <a:cxn ang="0">
+                <a:pos x="connsiteX57" y="connsiteY57"/>
+              </a:cxn>
+              <a:cxn ang="0">
+                <a:pos x="connsiteX58" y="connsiteY58"/>
+              </a:cxn>
+              <a:cxn ang="0">
+                <a:pos x="connsiteX59" y="connsiteY59"/>
+              </a:cxn>
+              <a:cxn ang="0">
+                <a:pos x="connsiteX60" y="connsiteY60"/>
+              </a:cxn>
+              <a:cxn ang="0">
+                <a:pos x="connsiteX61" y="connsiteY61"/>
+              </a:cxn>
+              <a:cxn ang="0">
+                <a:pos x="connsiteX62" y="connsiteY62"/>
+              </a:cxn>
+              <a:cxn ang="0">
+                <a:pos x="connsiteX63" y="connsiteY63"/>
+              </a:cxn>
+              <a:cxn ang="0">
+                <a:pos x="connsiteX64" y="connsiteY64"/>
+              </a:cxn>
+              <a:cxn ang="0">
+                <a:pos x="connsiteX65" y="connsiteY65"/>
+              </a:cxn>
+              <a:cxn ang="0">
+                <a:pos x="connsiteX66" y="connsiteY66"/>
+              </a:cxn>
+              <a:cxn ang="0">
+                <a:pos x="connsiteX67" y="connsiteY67"/>
+              </a:cxn>
+              <a:cxn ang="0">
+                <a:pos x="connsiteX68" y="connsiteY68"/>
+              </a:cxn>
+              <a:cxn ang="0">
+                <a:pos x="connsiteX69" y="connsiteY69"/>
+              </a:cxn>
+              <a:cxn ang="0">
+                <a:pos x="connsiteX70" y="connsiteY70"/>
+              </a:cxn>
+            </a:cxnLst>
+            <a:rect l="l" t="t" r="r" b="b"/>
+            <a:pathLst>
+              <a:path w="4920936" h="2236780">
+                <a:moveTo>
+                  <a:pt x="4832787" y="683188"/>
+                </a:moveTo>
+                <a:cubicBezTo>
+                  <a:pt x="4747612" y="482284"/>
+                  <a:pt x="4606058" y="311999"/>
+                  <a:pt x="4427737" y="191381"/>
+                </a:cubicBezTo>
+                <a:cubicBezTo>
+                  <a:pt x="4338569" y="131079"/>
+                  <a:pt x="4240066" y="83207"/>
+                  <a:pt x="4134879" y="50417"/>
+                </a:cubicBezTo>
+                <a:cubicBezTo>
+                  <a:pt x="4029705" y="17628"/>
+                  <a:pt x="3917807" y="-13"/>
+                  <a:pt x="3802533" y="0"/>
+                </a:cubicBezTo>
+                <a:cubicBezTo>
+                  <a:pt x="3636950" y="-147"/>
+                  <a:pt x="3480582" y="35000"/>
+                  <a:pt x="3337877" y="93548"/>
+                </a:cubicBezTo>
+                <a:cubicBezTo>
+                  <a:pt x="3212799" y="144755"/>
+                  <a:pt x="3097660" y="213295"/>
+                  <a:pt x="2990008" y="291760"/>
+                </a:cubicBezTo>
+                <a:cubicBezTo>
+                  <a:pt x="2801694" y="429295"/>
+                  <a:pt x="2635039" y="597062"/>
+                  <a:pt x="2475899" y="768672"/>
+                </a:cubicBezTo>
+                <a:cubicBezTo>
+                  <a:pt x="2470729" y="774258"/>
+                  <a:pt x="2465665" y="779884"/>
+                  <a:pt x="2460509" y="785496"/>
+                </a:cubicBezTo>
+                <a:cubicBezTo>
+                  <a:pt x="2459397" y="784277"/>
+                  <a:pt x="2458285" y="783045"/>
+                  <a:pt x="2457173" y="781826"/>
+                </a:cubicBezTo>
+                <a:cubicBezTo>
+                  <a:pt x="2367952" y="685131"/>
+                  <a:pt x="2276267" y="589601"/>
+                  <a:pt x="2179947" y="499657"/>
+                </a:cubicBezTo>
+                <a:cubicBezTo>
+                  <a:pt x="2035420" y="364908"/>
+                  <a:pt x="1880405" y="242040"/>
+                  <a:pt x="1705044" y="150341"/>
+                </a:cubicBezTo>
+                <a:cubicBezTo>
+                  <a:pt x="1617417" y="104585"/>
+                  <a:pt x="1524633" y="66893"/>
+                  <a:pt x="1426558" y="40706"/>
+                </a:cubicBezTo>
+                <a:cubicBezTo>
+                  <a:pt x="1328537" y="14507"/>
+                  <a:pt x="1225278" y="-13"/>
+                  <a:pt x="1118390" y="14"/>
+                </a:cubicBezTo>
+                <a:cubicBezTo>
+                  <a:pt x="964674" y="-13"/>
+                  <a:pt x="817067" y="31397"/>
+                  <a:pt x="683188" y="88163"/>
+                </a:cubicBezTo>
+                <a:cubicBezTo>
+                  <a:pt x="482284" y="173339"/>
+                  <a:pt x="311999" y="314893"/>
+                  <a:pt x="191381" y="493214"/>
+                </a:cubicBezTo>
+                <a:cubicBezTo>
+                  <a:pt x="131079" y="582381"/>
+                  <a:pt x="83207" y="680885"/>
+                  <a:pt x="50417" y="786072"/>
+                </a:cubicBezTo>
+                <a:cubicBezTo>
+                  <a:pt x="17627" y="891246"/>
+                  <a:pt x="-13" y="1003144"/>
+                  <a:pt x="0" y="1118417"/>
+                </a:cubicBezTo>
+                <a:cubicBezTo>
+                  <a:pt x="-27" y="1272133"/>
+                  <a:pt x="31383" y="1419740"/>
+                  <a:pt x="88149" y="1553619"/>
+                </a:cubicBezTo>
+                <a:cubicBezTo>
+                  <a:pt x="173325" y="1754496"/>
+                  <a:pt x="314892" y="1924781"/>
+                  <a:pt x="493200" y="2045399"/>
+                </a:cubicBezTo>
+                <a:cubicBezTo>
+                  <a:pt x="582368" y="2105701"/>
+                  <a:pt x="680871" y="2153573"/>
+                  <a:pt x="786058" y="2186363"/>
+                </a:cubicBezTo>
+                <a:cubicBezTo>
+                  <a:pt x="891232" y="2219153"/>
+                  <a:pt x="1003130" y="2236793"/>
+                  <a:pt x="1118403" y="2236780"/>
+                </a:cubicBezTo>
+                <a:cubicBezTo>
+                  <a:pt x="1283986" y="2236914"/>
+                  <a:pt x="1440354" y="2201780"/>
+                  <a:pt x="1583060" y="2143233"/>
+                </a:cubicBezTo>
+                <a:cubicBezTo>
+                  <a:pt x="1708138" y="2092025"/>
+                  <a:pt x="1823277" y="2023485"/>
+                  <a:pt x="1930929" y="1945020"/>
+                </a:cubicBezTo>
+                <a:cubicBezTo>
+                  <a:pt x="2119243" y="1807485"/>
+                  <a:pt x="2285898" y="1639719"/>
+                  <a:pt x="2445038" y="1468108"/>
+                </a:cubicBezTo>
+                <a:cubicBezTo>
+                  <a:pt x="2450208" y="1462522"/>
+                  <a:pt x="2455271" y="1456897"/>
+                  <a:pt x="2460428" y="1451298"/>
+                </a:cubicBezTo>
+                <a:cubicBezTo>
+                  <a:pt x="2461540" y="1452517"/>
+                  <a:pt x="2462652" y="1453749"/>
+                  <a:pt x="2463763" y="1454968"/>
+                </a:cubicBezTo>
+                <a:cubicBezTo>
+                  <a:pt x="2552984" y="1551663"/>
+                  <a:pt x="2644670" y="1647193"/>
+                  <a:pt x="2740990" y="1737137"/>
+                </a:cubicBezTo>
+                <a:cubicBezTo>
+                  <a:pt x="2885517" y="1871886"/>
+                  <a:pt x="3040532" y="1994754"/>
+                  <a:pt x="3215893" y="2086453"/>
+                </a:cubicBezTo>
+                <a:cubicBezTo>
+                  <a:pt x="3303520" y="2132182"/>
+                  <a:pt x="3396304" y="2169901"/>
+                  <a:pt x="3494379" y="2196088"/>
+                </a:cubicBezTo>
+                <a:cubicBezTo>
+                  <a:pt x="3592400" y="2222287"/>
+                  <a:pt x="3695658" y="2236807"/>
+                  <a:pt x="3802547" y="2236780"/>
+                </a:cubicBezTo>
+                <a:cubicBezTo>
+                  <a:pt x="3956262" y="2236807"/>
+                  <a:pt x="4103870" y="2205384"/>
+                  <a:pt x="4237749" y="2148630"/>
+                </a:cubicBezTo>
+                <a:cubicBezTo>
+                  <a:pt x="4438653" y="2063455"/>
+                  <a:pt x="4608938" y="1921902"/>
+                  <a:pt x="4729556" y="1743580"/>
+                </a:cubicBezTo>
+                <a:cubicBezTo>
+                  <a:pt x="4789858" y="1654413"/>
+                  <a:pt x="4837730" y="1555909"/>
+                  <a:pt x="4870520" y="1450722"/>
+                </a:cubicBezTo>
+                <a:cubicBezTo>
+                  <a:pt x="4903310" y="1345548"/>
+                  <a:pt x="4920950" y="1233650"/>
+                  <a:pt x="4920937" y="1118390"/>
+                </a:cubicBezTo>
+                <a:cubicBezTo>
+                  <a:pt x="4920963" y="964674"/>
+                  <a:pt x="4889553" y="817067"/>
+                  <a:pt x="4832787" y="683188"/>
+                </a:cubicBezTo>
+                <a:close/>
+                <a:moveTo>
+                  <a:pt x="2128404" y="1151635"/>
+                </a:moveTo>
+                <a:cubicBezTo>
+                  <a:pt x="2043282" y="1243911"/>
+                  <a:pt x="1958897" y="1331564"/>
+                  <a:pt x="1874699" y="1410137"/>
+                </a:cubicBezTo>
+                <a:cubicBezTo>
+                  <a:pt x="1748442" y="1528183"/>
+                  <a:pt x="1622654" y="1625038"/>
+                  <a:pt x="1498085" y="1689868"/>
+                </a:cubicBezTo>
+                <a:cubicBezTo>
+                  <a:pt x="1435747" y="1722390"/>
+                  <a:pt x="1373783" y="1747156"/>
+                  <a:pt x="1311177" y="1763873"/>
+                </a:cubicBezTo>
+                <a:cubicBezTo>
+                  <a:pt x="1248518" y="1780576"/>
+                  <a:pt x="1185188" y="1789389"/>
+                  <a:pt x="1118417" y="1789416"/>
+                </a:cubicBezTo>
+                <a:cubicBezTo>
+                  <a:pt x="1025445" y="1789389"/>
+                  <a:pt x="937872" y="1770624"/>
+                  <a:pt x="857732" y="1736722"/>
+                </a:cubicBezTo>
+                <a:cubicBezTo>
+                  <a:pt x="737610" y="1685890"/>
+                  <a:pt x="634512" y="1600325"/>
+                  <a:pt x="561994" y="1493008"/>
+                </a:cubicBezTo>
+                <a:cubicBezTo>
+                  <a:pt x="525722" y="1439363"/>
+                  <a:pt x="497098" y="1380414"/>
+                  <a:pt x="477528" y="1317620"/>
+                </a:cubicBezTo>
+                <a:cubicBezTo>
+                  <a:pt x="457959" y="1254800"/>
+                  <a:pt x="447377" y="1188149"/>
+                  <a:pt x="447377" y="1118404"/>
+                </a:cubicBezTo>
+                <a:cubicBezTo>
+                  <a:pt x="447404" y="1025432"/>
+                  <a:pt x="466170" y="937859"/>
+                  <a:pt x="500071" y="857733"/>
+                </a:cubicBezTo>
+                <a:cubicBezTo>
+                  <a:pt x="550904" y="737624"/>
+                  <a:pt x="636468" y="634513"/>
+                  <a:pt x="743798" y="561995"/>
+                </a:cubicBezTo>
+                <a:cubicBezTo>
+                  <a:pt x="797430" y="525722"/>
+                  <a:pt x="856393" y="497098"/>
+                  <a:pt x="919213" y="477529"/>
+                </a:cubicBezTo>
+                <a:cubicBezTo>
+                  <a:pt x="982034" y="457960"/>
+                  <a:pt x="1048685" y="447378"/>
+                  <a:pt x="1118430" y="447378"/>
+                </a:cubicBezTo>
+                <a:cubicBezTo>
+                  <a:pt x="1221675" y="447512"/>
+                  <a:pt x="1317205" y="468300"/>
+                  <a:pt x="1413699" y="507613"/>
+                </a:cubicBezTo>
+                <a:cubicBezTo>
+                  <a:pt x="1497910" y="542023"/>
+                  <a:pt x="1582363" y="591222"/>
+                  <a:pt x="1667405" y="653252"/>
+                </a:cubicBezTo>
+                <a:cubicBezTo>
+                  <a:pt x="1816298" y="761560"/>
+                  <a:pt x="1965768" y="909275"/>
+                  <a:pt x="2116832" y="1072648"/>
+                </a:cubicBezTo>
+                <a:cubicBezTo>
+                  <a:pt x="2130749" y="1087676"/>
+                  <a:pt x="2144759" y="1103161"/>
+                  <a:pt x="2158716" y="1118430"/>
+                </a:cubicBezTo>
+                <a:cubicBezTo>
+                  <a:pt x="2148630" y="1129441"/>
+                  <a:pt x="2138491" y="1140719"/>
+                  <a:pt x="2128404" y="1151635"/>
+                </a:cubicBezTo>
+                <a:close/>
+                <a:moveTo>
+                  <a:pt x="4420905" y="1379088"/>
+                </a:moveTo>
+                <a:cubicBezTo>
+                  <a:pt x="4370073" y="1499210"/>
+                  <a:pt x="4284509" y="1602308"/>
+                  <a:pt x="4177179" y="1674826"/>
+                </a:cubicBezTo>
+                <a:cubicBezTo>
+                  <a:pt x="4123547" y="1711098"/>
+                  <a:pt x="4064584" y="1739722"/>
+                  <a:pt x="4001764" y="1759292"/>
+                </a:cubicBezTo>
+                <a:cubicBezTo>
+                  <a:pt x="3938943" y="1778861"/>
+                  <a:pt x="3872292" y="1789443"/>
+                  <a:pt x="3802547" y="1789443"/>
+                </a:cubicBezTo>
+                <a:cubicBezTo>
+                  <a:pt x="3699302" y="1789309"/>
+                  <a:pt x="3603772" y="1768521"/>
+                  <a:pt x="3507278" y="1729208"/>
+                </a:cubicBezTo>
+                <a:cubicBezTo>
+                  <a:pt x="3423067" y="1694797"/>
+                  <a:pt x="3338614" y="1645599"/>
+                  <a:pt x="3253572" y="1583569"/>
+                </a:cubicBezTo>
+                <a:cubicBezTo>
+                  <a:pt x="3104678" y="1475261"/>
+                  <a:pt x="2955209" y="1327546"/>
+                  <a:pt x="2804145" y="1164173"/>
+                </a:cubicBezTo>
+                <a:cubicBezTo>
+                  <a:pt x="2790229" y="1149144"/>
+                  <a:pt x="2776218" y="1133647"/>
+                  <a:pt x="2762261" y="1118390"/>
+                </a:cubicBezTo>
+                <a:cubicBezTo>
+                  <a:pt x="2772360" y="1107340"/>
+                  <a:pt x="2782500" y="1096062"/>
+                  <a:pt x="2792572" y="1085158"/>
+                </a:cubicBezTo>
+                <a:cubicBezTo>
+                  <a:pt x="2877695" y="992883"/>
+                  <a:pt x="2962080" y="905230"/>
+                  <a:pt x="3046278" y="826657"/>
+                </a:cubicBezTo>
+                <a:cubicBezTo>
+                  <a:pt x="3172535" y="708611"/>
+                  <a:pt x="3298323" y="611755"/>
+                  <a:pt x="3422892" y="546926"/>
+                </a:cubicBezTo>
+                <a:cubicBezTo>
+                  <a:pt x="3485230" y="514404"/>
+                  <a:pt x="3547194" y="489637"/>
+                  <a:pt x="3609799" y="472921"/>
+                </a:cubicBezTo>
+                <a:cubicBezTo>
+                  <a:pt x="3672459" y="456218"/>
+                  <a:pt x="3735788" y="447405"/>
+                  <a:pt x="3802560" y="447378"/>
+                </a:cubicBezTo>
+                <a:cubicBezTo>
+                  <a:pt x="3895532" y="447405"/>
+                  <a:pt x="3983105" y="466170"/>
+                  <a:pt x="4063244" y="500072"/>
+                </a:cubicBezTo>
+                <a:cubicBezTo>
+                  <a:pt x="4183367" y="550904"/>
+                  <a:pt x="4286465" y="636468"/>
+                  <a:pt x="4358983" y="743799"/>
+                </a:cubicBezTo>
+                <a:cubicBezTo>
+                  <a:pt x="4395255" y="797444"/>
+                  <a:pt x="4423879" y="856393"/>
+                  <a:pt x="4443448" y="919187"/>
+                </a:cubicBezTo>
+                <a:cubicBezTo>
+                  <a:pt x="4463018" y="982007"/>
+                  <a:pt x="4473600" y="1048658"/>
+                  <a:pt x="4473600" y="1118404"/>
+                </a:cubicBezTo>
+                <a:cubicBezTo>
+                  <a:pt x="4473586" y="1211361"/>
+                  <a:pt x="4454820" y="1298935"/>
+                  <a:pt x="4420905" y="1379088"/>
+                </a:cubicBezTo>
+                <a:close/>
+              </a:path>
+            </a:pathLst>
+          </a:custGeom>
+          <a:gradFill flip="none" rotWithShape="1">
+            <a:gsLst>
+              <a:gs pos="12000">
+                <a:srgbClr val="FF0000"/>
+              </a:gs>
+              <a:gs pos="72000">
+                <a:srgbClr val="00B0F0"/>
+              </a:gs>
+              <a:gs pos="55482">
+                <a:srgbClr val="92D050"/>
+              </a:gs>
+              <a:gs pos="37000">
+                <a:srgbClr val="FFC000"/>
+              </a:gs>
+              <a:gs pos="81000">
+                <a:srgbClr val="7030A0"/>
+              </a:gs>
+            </a:gsLst>
+            <a:path path="circle">
+              <a:fillToRect t="100000" r="100000"/>
+            </a:path>
+            <a:tileRect l="-100000" b="-100000"/>
+          </a:gradFill>
+          <a:ln w="13395" cap="flat">
+            <a:noFill/>
+            <a:prstDash val="solid"/>
+            <a:miter/>
+          </a:ln>
+        </p:spPr>
+        <p:txBody>
+          <a:bodyPr rtlCol="0" anchor="ctr"/>
+          <a:lstStyle/>
+          <a:p>
+            <a:endParaRPr lang="en-US"/>
+          </a:p>
+        </p:txBody>
+      </p:sp>
+      <p:sp>
+        <p:nvSpPr>
+          <p:cNvPr id="18" name="TextBox 17">
+            <a:extLst>
+              <a:ext uri="{FF2B5EF4-FFF2-40B4-BE49-F238E27FC236}">
+                <a16:creationId xmlns:a16="http://schemas.microsoft.com/office/drawing/2014/main" id="{1818DA00-CE0C-9A4C-23C6-7087508E256C}"/>
               </a:ext>
             </a:extLst>
           </p:cNvPr>
@@ -3553,8 +5107,8 @@
         </p:nvSpPr>
         <p:spPr>
           <a:xfrm>
-            <a:off x="2729861" y="4908755"/>
-            <a:ext cx="1736501" cy="369332"/>
+            <a:off x="3019865" y="4517890"/>
+            <a:ext cx="464234" cy="523220"/>
           </a:xfrm>
           <a:prstGeom prst="rect">
             <a:avLst/>
@@ -3562,26 +5116,73 @@
           <a:noFill/>
         </p:spPr>
         <p:txBody>
-          <a:bodyPr wrap="none" rtlCol="0">
+          <a:bodyPr wrap="square">
             <a:spAutoFit/>
           </a:bodyPr>
           <a:lstStyle/>
           <a:p>
             <a:r>
-              <a:rPr lang="en-US" dirty="0">
-                <a:latin typeface="Gill Sans MT Condensed" panose="020B0506020104020203" pitchFamily="34" charset="0"/>
+              <a:rPr lang="en-US" sz="2800" dirty="0">
+                <a:ln w="28575">
+                  <a:solidFill>
+                    <a:sysClr val="windowText" lastClr="000000"/>
+                  </a:solidFill>
+                </a:ln>
+                <a:solidFill>
+                  <a:srgbClr val="FF0000"/>
+                </a:solidFill>
+                <a:latin typeface="Eras Bold ITC" panose="020B0907030504020204" pitchFamily="34" charset="0"/>
               </a:rPr>
-              <a:t>By Overflowing Feature</a:t>
-            </a:r>
+              <a:t>L</a:t>
+            </a:r>
+            <a:endParaRPr lang="en-US" sz="2800" dirty="0"/>
+          </a:p>
+        </p:txBody>
+      </p:sp>
+      <p:sp>
+        <p:nvSpPr>
+          <p:cNvPr id="23" name="TextBox 22">
+            <a:extLst>
+              <a:ext uri="{FF2B5EF4-FFF2-40B4-BE49-F238E27FC236}">
+                <a16:creationId xmlns:a16="http://schemas.microsoft.com/office/drawing/2014/main" id="{E7924137-65CA-A0F2-024E-4DF4B006CC45}"/>
+              </a:ext>
+            </a:extLst>
+          </p:cNvPr>
+          <p:cNvSpPr txBox="1"/>
+          <p:nvPr/>
+        </p:nvSpPr>
+        <p:spPr>
+          <a:xfrm>
+            <a:off x="3770142" y="4517890"/>
+            <a:ext cx="379827" cy="523220"/>
+          </a:xfrm>
+          <a:prstGeom prst="rect">
+            <a:avLst/>
+          </a:prstGeom>
+          <a:noFill/>
+        </p:spPr>
+        <p:txBody>
+          <a:bodyPr wrap="square">
+            <a:spAutoFit/>
+          </a:bodyPr>
+          <a:lstStyle/>
+          <a:p>
+            <a:r>
+              <a:rPr lang="en-US" sz="2800" dirty="0">
+                <a:latin typeface="Eras Bold ITC" panose="020B0907030504020204" pitchFamily="34" charset="0"/>
+              </a:rPr>
+              <a:t>S</a:t>
+            </a:r>
+            <a:endParaRPr lang="en-US" sz="2800" dirty="0"/>
           </a:p>
         </p:txBody>
       </p:sp>
       <p:pic>
         <p:nvPicPr>
-          <p:cNvPr id="19" name="Picture 18">
-            <a:extLst>
-              <a:ext uri="{FF2B5EF4-FFF2-40B4-BE49-F238E27FC236}">
-                <a16:creationId xmlns:a16="http://schemas.microsoft.com/office/drawing/2014/main" id="{0F1125F8-C6E9-82B9-7D34-CE47FC1504AF}"/>
+          <p:cNvPr id="31" name="Picture 30">
+            <a:extLst>
+              <a:ext uri="{FF2B5EF4-FFF2-40B4-BE49-F238E27FC236}">
+                <a16:creationId xmlns:a16="http://schemas.microsoft.com/office/drawing/2014/main" id="{D6656CAD-4199-17AD-D367-A1EA2A8DC11C}"/>
               </a:ext>
             </a:extLst>
           </p:cNvPr>
@@ -3590,264 +5191,22 @@
           </p:cNvPicPr>
           <p:nvPr/>
         </p:nvPicPr>
-        <p:blipFill rotWithShape="1">
-          <a:blip r:embed="rId5"/>
-          <a:srcRect l="-14835" t="-63356" r="-2812" b="-84666"/>
-          <a:stretch/>
+        <p:blipFill>
+          <a:blip r:embed="rId2"/>
+          <a:stretch>
+            <a:fillRect/>
+          </a:stretch>
         </p:blipFill>
         <p:spPr>
           <a:xfrm>
-            <a:off x="4114025" y="868393"/>
-            <a:ext cx="3758331" cy="5262114"/>
+            <a:off x="7103989" y="2679747"/>
+            <a:ext cx="1796171" cy="703905"/>
           </a:xfrm>
           <a:prstGeom prst="rect">
             <a:avLst/>
           </a:prstGeom>
         </p:spPr>
       </p:pic>
-      <p:sp>
-        <p:nvSpPr>
-          <p:cNvPr id="20" name="Rectangle: Rounded Corners 19">
-            <a:extLst>
-              <a:ext uri="{FF2B5EF4-FFF2-40B4-BE49-F238E27FC236}">
-                <a16:creationId xmlns:a16="http://schemas.microsoft.com/office/drawing/2014/main" id="{2C3A6861-587F-03B5-F232-B2BF7D1D0D61}"/>
-              </a:ext>
-            </a:extLst>
-          </p:cNvPr>
-          <p:cNvSpPr/>
-          <p:nvPr/>
-        </p:nvSpPr>
-        <p:spPr>
-          <a:xfrm>
-            <a:off x="7177094" y="3654005"/>
-            <a:ext cx="2093065" cy="2092881"/>
-          </a:xfrm>
-          <a:prstGeom prst="roundRect">
-            <a:avLst>
-              <a:gd name="adj" fmla="val 50000"/>
-            </a:avLst>
-          </a:prstGeom>
-          <a:solidFill>
-            <a:srgbClr val="FF0000"/>
-          </a:solidFill>
-          <a:ln>
-            <a:noFill/>
-          </a:ln>
-        </p:spPr>
-        <p:style>
-          <a:lnRef idx="2">
-            <a:schemeClr val="accent1">
-              <a:shade val="50000"/>
-            </a:schemeClr>
-          </a:lnRef>
-          <a:fillRef idx="1">
-            <a:schemeClr val="accent1"/>
-          </a:fillRef>
-          <a:effectRef idx="0">
-            <a:schemeClr val="accent1"/>
-          </a:effectRef>
-          <a:fontRef idx="minor">
-            <a:schemeClr val="lt1"/>
-          </a:fontRef>
-        </p:style>
-        <p:txBody>
-          <a:bodyPr rtlCol="0" anchor="ctr"/>
-          <a:lstStyle/>
-          <a:p>
-            <a:pPr algn="ctr"/>
-            <a:endParaRPr lang="en-US"/>
-          </a:p>
-        </p:txBody>
-      </p:sp>
-      <p:pic>
-        <p:nvPicPr>
-          <p:cNvPr id="25" name="Picture 2" descr="Tune Protect">
-            <a:extLst>
-              <a:ext uri="{FF2B5EF4-FFF2-40B4-BE49-F238E27FC236}">
-                <a16:creationId xmlns:a16="http://schemas.microsoft.com/office/drawing/2014/main" id="{54E27807-F56B-AFA8-F889-3BCAB2336628}"/>
-              </a:ext>
-            </a:extLst>
-          </p:cNvPr>
-          <p:cNvPicPr>
-            <a:picLocks noChangeAspect="1" noChangeArrowheads="1"/>
-          </p:cNvPicPr>
-          <p:nvPr/>
-        </p:nvPicPr>
-        <p:blipFill rotWithShape="1">
-          <a:blip r:embed="rId2">
-            <a:extLst>
-              <a:ext uri="{28A0092B-C50C-407E-A947-70E740481C1C}">
-                <a14:useLocalDpi xmlns:a14="http://schemas.microsoft.com/office/drawing/2010/main" val="0"/>
-              </a:ext>
-            </a:extLst>
-          </a:blip>
-          <a:srcRect t="19149" r="9999" b="41599"/>
-          <a:stretch/>
-        </p:blipFill>
-        <p:spPr bwMode="auto">
-          <a:xfrm>
-            <a:off x="7947359" y="4083186"/>
-            <a:ext cx="1157942" cy="502009"/>
-          </a:xfrm>
-          <a:prstGeom prst="rect">
-            <a:avLst/>
-          </a:prstGeom>
-          <a:noFill/>
-          <a:extLst>
-            <a:ext uri="{909E8E84-426E-40DD-AFC4-6F175D3DCCD1}">
-              <a14:hiddenFill xmlns:a14="http://schemas.microsoft.com/office/drawing/2010/main">
-                <a:solidFill>
-                  <a:srgbClr val="FFFFFF"/>
-                </a:solidFill>
-              </a14:hiddenFill>
-            </a:ext>
-          </a:extLst>
-        </p:spPr>
-      </p:pic>
-      <p:pic>
-        <p:nvPicPr>
-          <p:cNvPr id="22" name="Picture 4" descr="Number 4 png images | PNGWing">
-            <a:extLst>
-              <a:ext uri="{FF2B5EF4-FFF2-40B4-BE49-F238E27FC236}">
-                <a16:creationId xmlns:a16="http://schemas.microsoft.com/office/drawing/2014/main" id="{E7CFF0B4-8563-FC50-5F9B-545F2A9F6567}"/>
-              </a:ext>
-            </a:extLst>
-          </p:cNvPr>
-          <p:cNvPicPr>
-            <a:picLocks noChangeAspect="1" noChangeArrowheads="1"/>
-          </p:cNvPicPr>
-          <p:nvPr/>
-        </p:nvPicPr>
-        <p:blipFill>
-          <a:blip r:embed="rId3">
-            <a:extLst>
-              <a:ext uri="{BEBA8EAE-BF5A-486C-A8C5-ECC9F3942E4B}">
-                <a14:imgProps xmlns:a14="http://schemas.microsoft.com/office/drawing/2010/main">
-                  <a14:imgLayer r:embed="rId4">
-                    <a14:imgEffect>
-                      <a14:backgroundRemoval t="3390" b="94915" l="2609" r="92935">
-                        <a14:foregroundMark x1="2826" y1="61864" x2="20109" y2="62018"/>
-                        <a14:foregroundMark x1="93043" y1="57165" x2="90652" y2="59399"/>
-                        <a14:foregroundMark x1="52935" y1="94992" x2="53587" y2="81664"/>
-                        <a14:foregroundMark x1="66957" y1="3390" x2="67174" y2="10632"/>
-                      </a14:backgroundRemoval>
-                    </a14:imgEffect>
-                    <a14:imgEffect>
-                      <a14:brightnessContrast bright="40000"/>
-                    </a14:imgEffect>
-                  </a14:imgLayer>
-                </a14:imgProps>
-              </a:ext>
-              <a:ext uri="{28A0092B-C50C-407E-A947-70E740481C1C}">
-                <a14:useLocalDpi xmlns:a14="http://schemas.microsoft.com/office/drawing/2010/main" val="0"/>
-              </a:ext>
-            </a:extLst>
-          </a:blip>
-          <a:srcRect/>
-          <a:stretch>
-            <a:fillRect/>
-          </a:stretch>
-        </p:blipFill>
-        <p:spPr bwMode="auto">
-          <a:xfrm>
-            <a:off x="7413142" y="4084536"/>
-            <a:ext cx="974412" cy="1374743"/>
-          </a:xfrm>
-          <a:prstGeom prst="rect">
-            <a:avLst/>
-          </a:prstGeom>
-          <a:noFill/>
-          <a:ln>
-            <a:noFill/>
-          </a:ln>
-          <a:extLst>
-            <a:ext uri="{909E8E84-426E-40DD-AFC4-6F175D3DCCD1}">
-              <a14:hiddenFill xmlns:a14="http://schemas.microsoft.com/office/drawing/2010/main">
-                <a:solidFill>
-                  <a:srgbClr val="FFFFFF"/>
-                </a:solidFill>
-              </a14:hiddenFill>
-            </a:ext>
-          </a:extLst>
-        </p:spPr>
-      </p:pic>
-      <p:pic>
-        <p:nvPicPr>
-          <p:cNvPr id="28" name="Picture 27">
-            <a:extLst>
-              <a:ext uri="{FF2B5EF4-FFF2-40B4-BE49-F238E27FC236}">
-                <a16:creationId xmlns:a16="http://schemas.microsoft.com/office/drawing/2014/main" id="{940B2190-8AE0-90E9-7117-F67ABC99904F}"/>
-              </a:ext>
-            </a:extLst>
-          </p:cNvPr>
-          <p:cNvPicPr>
-            <a:picLocks noChangeAspect="1"/>
-          </p:cNvPicPr>
-          <p:nvPr/>
-        </p:nvPicPr>
-        <p:blipFill>
-          <a:blip r:embed="rId6"/>
-          <a:stretch>
-            <a:fillRect/>
-          </a:stretch>
-        </p:blipFill>
-        <p:spPr>
-          <a:xfrm>
-            <a:off x="10770266" y="1854686"/>
-            <a:ext cx="957155" cy="969348"/>
-          </a:xfrm>
-          <a:prstGeom prst="rect">
-            <a:avLst/>
-          </a:prstGeom>
-        </p:spPr>
-      </p:pic>
-      <p:sp>
-        <p:nvSpPr>
-          <p:cNvPr id="26" name="TextBox 25">
-            <a:extLst>
-              <a:ext uri="{FF2B5EF4-FFF2-40B4-BE49-F238E27FC236}">
-                <a16:creationId xmlns:a16="http://schemas.microsoft.com/office/drawing/2014/main" id="{2585D297-36CE-6DC3-ECCE-4F24DB6A4AD3}"/>
-              </a:ext>
-            </a:extLst>
-          </p:cNvPr>
-          <p:cNvSpPr txBox="1"/>
-          <p:nvPr/>
-        </p:nvSpPr>
-        <p:spPr>
-          <a:xfrm>
-            <a:off x="8151912" y="4083186"/>
-            <a:ext cx="838691" cy="1569660"/>
-          </a:xfrm>
-          <a:prstGeom prst="rect">
-            <a:avLst/>
-          </a:prstGeom>
-          <a:noFill/>
-        </p:spPr>
-        <p:txBody>
-          <a:bodyPr wrap="none" rtlCol="0">
-            <a:spAutoFit/>
-          </a:bodyPr>
-          <a:lstStyle/>
-          <a:p>
-            <a:r>
-              <a:rPr lang="en-US" sz="9600" dirty="0">
-                <a:ln>
-                  <a:solidFill>
-                    <a:srgbClr val="FF0000"/>
-                  </a:solidFill>
-                </a:ln>
-                <a:solidFill>
-                  <a:schemeClr val="bg1"/>
-                </a:solidFill>
-                <a:latin typeface="Forte" panose="03060902040502070203" pitchFamily="66" charset="0"/>
-                <a:ea typeface="Cascadia Code SemiBold" panose="020B0609020000020004" pitchFamily="49" charset="0"/>
-                <a:cs typeface="BrowalliaUPC" panose="020B0502040204020203" pitchFamily="34" charset="-34"/>
-              </a:rPr>
-              <a:t>u</a:t>
-            </a:r>
-          </a:p>
-        </p:txBody>
-      </p:sp>
     </p:spTree>
     <p:extLst>
       <p:ext uri="{BB962C8B-B14F-4D97-AF65-F5344CB8AC3E}">
